--- a/lec2/lec2.pptx
+++ b/lec2/lec2.pptx
@@ -5,7 +5,7 @@
     <p:sldMasterId id="2147483648" r:id="rId1"/>
   </p:sldMasterIdLst>
   <p:notesMasterIdLst>
-    <p:notesMasterId r:id="rId28"/>
+    <p:notesMasterId r:id="rId29"/>
   </p:notesMasterIdLst>
   <p:sldIdLst>
     <p:sldId id="295" r:id="rId2"/>
@@ -26,14 +26,15 @@
     <p:sldId id="302" r:id="rId17"/>
     <p:sldId id="305" r:id="rId18"/>
     <p:sldId id="280" r:id="rId19"/>
-    <p:sldId id="281" r:id="rId20"/>
-    <p:sldId id="286" r:id="rId21"/>
-    <p:sldId id="306" r:id="rId22"/>
-    <p:sldId id="285" r:id="rId23"/>
-    <p:sldId id="307" r:id="rId24"/>
-    <p:sldId id="291" r:id="rId25"/>
-    <p:sldId id="304" r:id="rId26"/>
-    <p:sldId id="303" r:id="rId27"/>
+    <p:sldId id="308" r:id="rId20"/>
+    <p:sldId id="281" r:id="rId21"/>
+    <p:sldId id="286" r:id="rId22"/>
+    <p:sldId id="306" r:id="rId23"/>
+    <p:sldId id="285" r:id="rId24"/>
+    <p:sldId id="307" r:id="rId25"/>
+    <p:sldId id="291" r:id="rId26"/>
+    <p:sldId id="304" r:id="rId27"/>
+    <p:sldId id="303" r:id="rId28"/>
   </p:sldIdLst>
   <p:sldSz cx="12192000" cy="6858000"/>
   <p:notesSz cx="6858000" cy="9144000"/>
@@ -155,6 +156,7 @@
             <p14:sldId id="302"/>
             <p14:sldId id="305"/>
             <p14:sldId id="280"/>
+            <p14:sldId id="308"/>
             <p14:sldId id="281"/>
             <p14:sldId id="286"/>
             <p14:sldId id="306"/>
@@ -169,6 +171,9 @@
     </p:ext>
     <p:ext uri="{EFAFB233-063F-42B5-8137-9DF3F51BA10A}">
       <p15:sldGuideLst xmlns:p15="http://schemas.microsoft.com/office/powerpoint/2012/main"/>
+    </p:ext>
+    <p:ext uri="{2D200454-40CA-4A62-9FC3-DE9A4176ACB9}">
+      <p15:notesGuideLst xmlns:p15="http://schemas.microsoft.com/office/powerpoint/2012/main"/>
     </p:ext>
   </p:extLst>
 </p:presentation>
@@ -256,7 +261,7 @@
           <a:p>
             <a:fld id="{583A7FF4-BA10-584F-BDF9-B94398A4CBAE}" type="datetimeFigureOut">
               <a:rPr lang="en-US" smtClean="0"/>
-              <a:t>8/30/16</a:t>
+              <a:t>10/28/16</a:t>
             </a:fld>
             <a:endParaRPr lang="en-US"/>
           </a:p>
@@ -673,7 +678,7 @@
           <a:p>
             <a:fld id="{359BC295-29C1-7F43-A430-DCB01AEEE727}" type="slidenum">
               <a:rPr lang="en-US" smtClean="0"/>
-              <a:t>26</a:t>
+              <a:t>27</a:t>
             </a:fld>
             <a:endParaRPr lang="en-US"/>
           </a:p>
@@ -925,7 +930,7 @@
           <a:p>
             <a:fld id="{359BC295-29C1-7F43-A430-DCB01AEEE727}" type="slidenum">
               <a:rPr lang="en-US" smtClean="0"/>
-              <a:t>20</a:t>
+              <a:t>21</a:t>
             </a:fld>
             <a:endParaRPr lang="en-US"/>
           </a:p>
@@ -1009,7 +1014,7 @@
           <a:p>
             <a:fld id="{359BC295-29C1-7F43-A430-DCB01AEEE727}" type="slidenum">
               <a:rPr lang="en-US" smtClean="0"/>
-              <a:t>21</a:t>
+              <a:t>22</a:t>
             </a:fld>
             <a:endParaRPr lang="en-US"/>
           </a:p>
@@ -1093,7 +1098,7 @@
           <a:p>
             <a:fld id="{359BC295-29C1-7F43-A430-DCB01AEEE727}" type="slidenum">
               <a:rPr lang="en-US" smtClean="0"/>
-              <a:t>22</a:t>
+              <a:t>23</a:t>
             </a:fld>
             <a:endParaRPr lang="en-US"/>
           </a:p>
@@ -1177,7 +1182,7 @@
           <a:p>
             <a:fld id="{359BC295-29C1-7F43-A430-DCB01AEEE727}" type="slidenum">
               <a:rPr lang="en-US" smtClean="0"/>
-              <a:t>23</a:t>
+              <a:t>24</a:t>
             </a:fld>
             <a:endParaRPr lang="en-US"/>
           </a:p>
@@ -1261,7 +1266,7 @@
           <a:p>
             <a:fld id="{359BC295-29C1-7F43-A430-DCB01AEEE727}" type="slidenum">
               <a:rPr lang="en-US" smtClean="0"/>
-              <a:t>24</a:t>
+              <a:t>25</a:t>
             </a:fld>
             <a:endParaRPr lang="en-US"/>
           </a:p>
@@ -1345,7 +1350,7 @@
           <a:p>
             <a:fld id="{359BC295-29C1-7F43-A430-DCB01AEEE727}" type="slidenum">
               <a:rPr lang="en-US" smtClean="0"/>
-              <a:t>25</a:t>
+              <a:t>26</a:t>
             </a:fld>
             <a:endParaRPr lang="en-US"/>
           </a:p>
@@ -1495,7 +1500,7 @@
           <a:p>
             <a:fld id="{CB12401C-CFD5-B54A-B2A8-512DBFD35870}" type="datetimeFigureOut">
               <a:rPr lang="en-US" smtClean="0"/>
-              <a:t>8/30/16</a:t>
+              <a:t>10/28/16</a:t>
             </a:fld>
             <a:endParaRPr lang="en-US"/>
           </a:p>
@@ -1665,7 +1670,7 @@
           <a:p>
             <a:fld id="{CB12401C-CFD5-B54A-B2A8-512DBFD35870}" type="datetimeFigureOut">
               <a:rPr lang="en-US" smtClean="0"/>
-              <a:t>8/30/16</a:t>
+              <a:t>10/28/16</a:t>
             </a:fld>
             <a:endParaRPr lang="en-US"/>
           </a:p>
@@ -1845,7 +1850,7 @@
           <a:p>
             <a:fld id="{CB12401C-CFD5-B54A-B2A8-512DBFD35870}" type="datetimeFigureOut">
               <a:rPr lang="en-US" smtClean="0"/>
-              <a:t>8/30/16</a:t>
+              <a:t>10/28/16</a:t>
             </a:fld>
             <a:endParaRPr lang="en-US"/>
           </a:p>
@@ -2015,7 +2020,7 @@
           <a:p>
             <a:fld id="{CB12401C-CFD5-B54A-B2A8-512DBFD35870}" type="datetimeFigureOut">
               <a:rPr lang="en-US" smtClean="0"/>
-              <a:t>8/30/16</a:t>
+              <a:t>10/28/16</a:t>
             </a:fld>
             <a:endParaRPr lang="en-US"/>
           </a:p>
@@ -2268,7 +2273,7 @@
           <a:p>
             <a:fld id="{CB12401C-CFD5-B54A-B2A8-512DBFD35870}" type="datetimeFigureOut">
               <a:rPr lang="en-US" smtClean="0"/>
-              <a:t>8/30/16</a:t>
+              <a:t>10/28/16</a:t>
             </a:fld>
             <a:endParaRPr lang="en-US"/>
           </a:p>
@@ -2500,7 +2505,7 @@
           <a:p>
             <a:fld id="{CB12401C-CFD5-B54A-B2A8-512DBFD35870}" type="datetimeFigureOut">
               <a:rPr lang="en-US" smtClean="0"/>
-              <a:t>8/30/16</a:t>
+              <a:t>10/28/16</a:t>
             </a:fld>
             <a:endParaRPr lang="en-US"/>
           </a:p>
@@ -2867,7 +2872,7 @@
           <a:p>
             <a:fld id="{CB12401C-CFD5-B54A-B2A8-512DBFD35870}" type="datetimeFigureOut">
               <a:rPr lang="en-US" smtClean="0"/>
-              <a:t>8/30/16</a:t>
+              <a:t>10/28/16</a:t>
             </a:fld>
             <a:endParaRPr lang="en-US"/>
           </a:p>
@@ -2985,7 +2990,7 @@
           <a:p>
             <a:fld id="{CB12401C-CFD5-B54A-B2A8-512DBFD35870}" type="datetimeFigureOut">
               <a:rPr lang="en-US" smtClean="0"/>
-              <a:t>8/30/16</a:t>
+              <a:t>10/28/16</a:t>
             </a:fld>
             <a:endParaRPr lang="en-US"/>
           </a:p>
@@ -3080,7 +3085,7 @@
           <a:p>
             <a:fld id="{CB12401C-CFD5-B54A-B2A8-512DBFD35870}" type="datetimeFigureOut">
               <a:rPr lang="en-US" smtClean="0"/>
-              <a:t>8/30/16</a:t>
+              <a:t>10/28/16</a:t>
             </a:fld>
             <a:endParaRPr lang="en-US"/>
           </a:p>
@@ -3357,7 +3362,7 @@
           <a:p>
             <a:fld id="{CB12401C-CFD5-B54A-B2A8-512DBFD35870}" type="datetimeFigureOut">
               <a:rPr lang="en-US" smtClean="0"/>
-              <a:t>8/30/16</a:t>
+              <a:t>10/28/16</a:t>
             </a:fld>
             <a:endParaRPr lang="en-US"/>
           </a:p>
@@ -3610,7 +3615,7 @@
           <a:p>
             <a:fld id="{CB12401C-CFD5-B54A-B2A8-512DBFD35870}" type="datetimeFigureOut">
               <a:rPr lang="en-US" smtClean="0"/>
-              <a:t>8/30/16</a:t>
+              <a:t>10/28/16</a:t>
             </a:fld>
             <a:endParaRPr lang="en-US"/>
           </a:p>
@@ -3823,7 +3828,7 @@
           <a:p>
             <a:fld id="{CB12401C-CFD5-B54A-B2A8-512DBFD35870}" type="datetimeFigureOut">
               <a:rPr lang="en-US" smtClean="0"/>
-              <a:t>8/30/16</a:t>
+              <a:t>10/28/16</a:t>
             </a:fld>
             <a:endParaRPr lang="en-US"/>
           </a:p>
@@ -8183,10 +8188,6 @@
               <a:rPr lang="ru-RU" dirty="0" smtClean="0"/>
               <a:t>Циклы</a:t>
             </a:r>
-            <a:r>
-              <a:rPr lang="ru-RU" dirty="0" smtClean="0"/>
-              <a:t/>
-            </a:r>
             <a:br>
               <a:rPr lang="ru-RU" dirty="0" smtClean="0"/>
             </a:br>
@@ -8275,20 +8276,7 @@
                 <a:ea typeface="Lucida Console" charset="0"/>
                 <a:cs typeface="Lucida Console" charset="0"/>
               </a:rPr>
-              <a:t>break</a:t>
-            </a:r>
-            <a:r>
-              <a:rPr lang="en-US" sz="1100" dirty="0" err="1" smtClean="0">
-                <a:solidFill>
-                  <a:schemeClr val="accent2">
-                    <a:lumMod val="75000"/>
-                  </a:schemeClr>
-                </a:solidFill>
-                <a:latin typeface="Lucida Console" charset="0"/>
-                <a:ea typeface="Lucida Console" charset="0"/>
-                <a:cs typeface="Lucida Console" charset="0"/>
-              </a:rPr>
-              <a:t>.c</a:t>
+              <a:t>break.c</a:t>
             </a:r>
             <a:endParaRPr lang="en-US" sz="1100" dirty="0" smtClean="0">
               <a:solidFill>
@@ -8470,10 +8458,6 @@
             <a:r>
               <a:rPr lang="ru-RU" dirty="0" smtClean="0"/>
               <a:t>Массивы</a:t>
-            </a:r>
-            <a:r>
-              <a:rPr lang="ru-RU" dirty="0" smtClean="0"/>
-              <a:t/>
             </a:r>
             <a:br>
               <a:rPr lang="ru-RU" dirty="0" smtClean="0"/>
@@ -9204,952 +9188,16 @@
           </a:p>
         </p:txBody>
       </p:sp>
-      <p:grpSp>
-        <p:nvGrpSpPr>
-          <p:cNvPr id="39" name="Group 38"/>
-          <p:cNvGrpSpPr/>
-          <p:nvPr/>
-        </p:nvGrpSpPr>
-        <p:grpSpPr>
-          <a:xfrm>
-            <a:off x="1144333" y="2877805"/>
-            <a:ext cx="5126180" cy="1025236"/>
-            <a:chOff x="969820" y="1502688"/>
-            <a:chExt cx="5126180" cy="1025236"/>
-          </a:xfrm>
-        </p:grpSpPr>
-        <p:sp>
-          <p:nvSpPr>
-            <p:cNvPr id="10" name="Rectangle 9"/>
-            <p:cNvSpPr/>
-            <p:nvPr/>
-          </p:nvSpPr>
-          <p:spPr>
-            <a:xfrm>
-              <a:off x="969820" y="1502688"/>
-              <a:ext cx="1025236" cy="1025236"/>
-            </a:xfrm>
-            <a:prstGeom prst="rect">
-              <a:avLst/>
-            </a:prstGeom>
-            <a:solidFill>
-              <a:srgbClr val="FBEDDC"/>
-            </a:solidFill>
-          </p:spPr>
-          <p:style>
-            <a:lnRef idx="2">
-              <a:schemeClr val="accent2">
-                <a:shade val="50000"/>
-              </a:schemeClr>
-            </a:lnRef>
-            <a:fillRef idx="1">
-              <a:schemeClr val="accent2"/>
-            </a:fillRef>
-            <a:effectRef idx="0">
-              <a:schemeClr val="accent2"/>
-            </a:effectRef>
-            <a:fontRef idx="minor">
-              <a:schemeClr val="lt1"/>
-            </a:fontRef>
-          </p:style>
-          <p:txBody>
-            <a:bodyPr rtlCol="0" anchor="ctr"/>
-            <a:lstStyle/>
-            <a:p>
-              <a:pPr algn="ctr"/>
-              <a:r>
-                <a:rPr lang="en-US" dirty="0" err="1" smtClean="0">
-                  <a:solidFill>
-                    <a:schemeClr val="accent2"/>
-                  </a:solidFill>
-                </a:rPr>
-                <a:t>freq</a:t>
-              </a:r>
-              <a:r>
-                <a:rPr lang="en-US" dirty="0" smtClean="0">
-                  <a:solidFill>
-                    <a:schemeClr val="accent2"/>
-                  </a:solidFill>
-                </a:rPr>
-                <a:t>[0</a:t>
-              </a:r>
-              <a:r>
-                <a:rPr lang="en-US" dirty="0" smtClean="0">
-                  <a:solidFill>
-                    <a:schemeClr val="accent2"/>
-                  </a:solidFill>
-                </a:rPr>
-                <a:t>]</a:t>
-              </a:r>
-            </a:p>
-            <a:p>
-              <a:pPr algn="ctr"/>
-              <a:r>
-                <a:rPr lang="en-US" dirty="0" smtClean="0">
-                  <a:solidFill>
-                    <a:schemeClr val="accent2"/>
-                  </a:solidFill>
-                </a:rPr>
-                <a:t>15</a:t>
-              </a:r>
-              <a:endParaRPr lang="en-US" dirty="0">
-                <a:solidFill>
-                  <a:schemeClr val="accent2"/>
-                </a:solidFill>
-              </a:endParaRPr>
-            </a:p>
-          </p:txBody>
-        </p:sp>
-        <p:sp>
-          <p:nvSpPr>
-            <p:cNvPr id="11" name="Rectangle 10"/>
-            <p:cNvSpPr/>
-            <p:nvPr/>
-          </p:nvSpPr>
-          <p:spPr>
-            <a:xfrm>
-              <a:off x="1995056" y="1502688"/>
-              <a:ext cx="1025236" cy="1025236"/>
-            </a:xfrm>
-            <a:prstGeom prst="rect">
-              <a:avLst/>
-            </a:prstGeom>
-            <a:solidFill>
-              <a:srgbClr val="FBEDDC"/>
-            </a:solidFill>
-          </p:spPr>
-          <p:style>
-            <a:lnRef idx="2">
-              <a:schemeClr val="accent2">
-                <a:shade val="50000"/>
-              </a:schemeClr>
-            </a:lnRef>
-            <a:fillRef idx="1">
-              <a:schemeClr val="accent2"/>
-            </a:fillRef>
-            <a:effectRef idx="0">
-              <a:schemeClr val="accent2"/>
-            </a:effectRef>
-            <a:fontRef idx="minor">
-              <a:schemeClr val="lt1"/>
-            </a:fontRef>
-          </p:style>
-          <p:txBody>
-            <a:bodyPr rtlCol="0" anchor="ctr"/>
-            <a:lstStyle/>
-            <a:p>
-              <a:pPr algn="ctr"/>
-              <a:r>
-                <a:rPr lang="en-US" dirty="0" err="1" smtClean="0">
-                  <a:solidFill>
-                    <a:schemeClr val="accent2"/>
-                  </a:solidFill>
-                </a:rPr>
-                <a:t>freq</a:t>
-              </a:r>
-              <a:r>
-                <a:rPr lang="en-US" dirty="0" smtClean="0">
-                  <a:solidFill>
-                    <a:schemeClr val="accent2"/>
-                  </a:solidFill>
-                </a:rPr>
-                <a:t>[1</a:t>
-              </a:r>
-              <a:r>
-                <a:rPr lang="en-US" dirty="0" smtClean="0">
-                  <a:solidFill>
-                    <a:schemeClr val="accent2"/>
-                  </a:solidFill>
-                </a:rPr>
-                <a:t>]</a:t>
-              </a:r>
-            </a:p>
-            <a:p>
-              <a:pPr algn="ctr"/>
-              <a:r>
-                <a:rPr lang="en-US" dirty="0" smtClean="0">
-                  <a:solidFill>
-                    <a:schemeClr val="accent2"/>
-                  </a:solidFill>
-                </a:rPr>
-                <a:t>3</a:t>
-              </a:r>
-              <a:endParaRPr lang="en-US" dirty="0"/>
-            </a:p>
-          </p:txBody>
-        </p:sp>
-        <p:sp>
-          <p:nvSpPr>
-            <p:cNvPr id="12" name="Rectangle 11"/>
-            <p:cNvSpPr/>
-            <p:nvPr/>
-          </p:nvSpPr>
-          <p:spPr>
-            <a:xfrm>
-              <a:off x="3020292" y="1502688"/>
-              <a:ext cx="1025236" cy="1025236"/>
-            </a:xfrm>
-            <a:prstGeom prst="rect">
-              <a:avLst/>
-            </a:prstGeom>
-            <a:solidFill>
-              <a:srgbClr val="FBEDDC"/>
-            </a:solidFill>
-          </p:spPr>
-          <p:style>
-            <a:lnRef idx="2">
-              <a:schemeClr val="accent2">
-                <a:shade val="50000"/>
-              </a:schemeClr>
-            </a:lnRef>
-            <a:fillRef idx="1">
-              <a:schemeClr val="accent2"/>
-            </a:fillRef>
-            <a:effectRef idx="0">
-              <a:schemeClr val="accent2"/>
-            </a:effectRef>
-            <a:fontRef idx="minor">
-              <a:schemeClr val="lt1"/>
-            </a:fontRef>
-          </p:style>
-          <p:txBody>
-            <a:bodyPr rtlCol="0" anchor="ctr"/>
-            <a:lstStyle/>
-            <a:p>
-              <a:pPr algn="ctr"/>
-              <a:r>
-                <a:rPr lang="en-US" dirty="0" err="1" smtClean="0">
-                  <a:solidFill>
-                    <a:schemeClr val="accent2"/>
-                  </a:solidFill>
-                </a:rPr>
-                <a:t>freq</a:t>
-              </a:r>
-              <a:r>
-                <a:rPr lang="en-US" dirty="0" smtClean="0">
-                  <a:solidFill>
-                    <a:schemeClr val="accent2"/>
-                  </a:solidFill>
-                </a:rPr>
-                <a:t>[2</a:t>
-              </a:r>
-              <a:r>
-                <a:rPr lang="en-US" dirty="0" smtClean="0">
-                  <a:solidFill>
-                    <a:schemeClr val="accent2"/>
-                  </a:solidFill>
-                </a:rPr>
-                <a:t>]</a:t>
-              </a:r>
-            </a:p>
-            <a:p>
-              <a:pPr algn="ctr"/>
-              <a:r>
-                <a:rPr lang="en-US" dirty="0">
-                  <a:solidFill>
-                    <a:schemeClr val="accent2"/>
-                  </a:solidFill>
-                </a:rPr>
-                <a:t>8</a:t>
-              </a:r>
-              <a:endParaRPr lang="en-US" dirty="0"/>
-            </a:p>
-          </p:txBody>
-        </p:sp>
-        <p:sp>
-          <p:nvSpPr>
-            <p:cNvPr id="14" name="Rectangle 13"/>
-            <p:cNvSpPr/>
-            <p:nvPr/>
-          </p:nvSpPr>
-          <p:spPr>
-            <a:xfrm>
-              <a:off x="5070764" y="1502688"/>
-              <a:ext cx="1025236" cy="1025236"/>
-            </a:xfrm>
-            <a:prstGeom prst="rect">
-              <a:avLst/>
-            </a:prstGeom>
-            <a:solidFill>
-              <a:srgbClr val="FBEDDC"/>
-            </a:solidFill>
-          </p:spPr>
-          <p:style>
-            <a:lnRef idx="2">
-              <a:schemeClr val="accent2">
-                <a:shade val="50000"/>
-              </a:schemeClr>
-            </a:lnRef>
-            <a:fillRef idx="1">
-              <a:schemeClr val="accent2"/>
-            </a:fillRef>
-            <a:effectRef idx="0">
-              <a:schemeClr val="accent2"/>
-            </a:effectRef>
-            <a:fontRef idx="minor">
-              <a:schemeClr val="lt1"/>
-            </a:fontRef>
-          </p:style>
-          <p:txBody>
-            <a:bodyPr rtlCol="0" anchor="ctr"/>
-            <a:lstStyle/>
-            <a:p>
-              <a:pPr algn="ctr"/>
-              <a:r>
-                <a:rPr lang="en-US" dirty="0" err="1" smtClean="0">
-                  <a:solidFill>
-                    <a:schemeClr val="accent2"/>
-                  </a:solidFill>
-                </a:rPr>
-                <a:t>freq</a:t>
-              </a:r>
-              <a:r>
-                <a:rPr lang="en-US" dirty="0" smtClean="0">
-                  <a:solidFill>
-                    <a:schemeClr val="accent2"/>
-                  </a:solidFill>
-                </a:rPr>
-                <a:t>[2</a:t>
-              </a:r>
-              <a:r>
-                <a:rPr lang="ru-RU" dirty="0" smtClean="0">
-                  <a:solidFill>
-                    <a:schemeClr val="accent2"/>
-                  </a:solidFill>
-                </a:rPr>
-                <a:t>6</a:t>
-              </a:r>
-              <a:r>
-                <a:rPr lang="en-US" dirty="0" smtClean="0">
-                  <a:solidFill>
-                    <a:schemeClr val="accent2"/>
-                  </a:solidFill>
-                </a:rPr>
-                <a:t>]</a:t>
-              </a:r>
-              <a:endParaRPr lang="en-US" dirty="0" smtClean="0">
-                <a:solidFill>
-                  <a:schemeClr val="accent2"/>
-                </a:solidFill>
-              </a:endParaRPr>
-            </a:p>
-            <a:p>
-              <a:pPr algn="ctr"/>
-              <a:r>
-                <a:rPr lang="ru-RU" dirty="0">
-                  <a:solidFill>
-                    <a:schemeClr val="accent2"/>
-                  </a:solidFill>
-                </a:rPr>
-                <a:t>1</a:t>
-              </a:r>
-              <a:endParaRPr lang="en-US" dirty="0"/>
-            </a:p>
-          </p:txBody>
-        </p:sp>
-      </p:grpSp>
-      <p:sp>
-        <p:nvSpPr>
-          <p:cNvPr id="19" name="TextBox 18"/>
+      <p:sp>
+        <p:nvSpPr>
+          <p:cNvPr id="8" name="TextBox 7"/>
           <p:cNvSpPr txBox="1"/>
           <p:nvPr/>
         </p:nvSpPr>
         <p:spPr>
           <a:xfrm>
-            <a:off x="7020723" y="2844921"/>
-            <a:ext cx="5171277" cy="2308324"/>
-          </a:xfrm>
-          <a:prstGeom prst="rect">
-            <a:avLst/>
-          </a:prstGeom>
-          <a:noFill/>
-        </p:spPr>
-        <p:txBody>
-          <a:bodyPr wrap="square" rtlCol="0">
-            <a:spAutoFit/>
-          </a:bodyPr>
-          <a:lstStyle/>
-          <a:p>
-            <a:r>
-              <a:rPr lang="en-US" dirty="0" err="1" smtClean="0">
-                <a:solidFill>
-                  <a:schemeClr val="accent2">
-                    <a:lumMod val="75000"/>
-                  </a:schemeClr>
-                </a:solidFill>
-                <a:latin typeface="Lucida Console" charset="0"/>
-                <a:ea typeface="Lucida Console" charset="0"/>
-                <a:cs typeface="Lucida Console" charset="0"/>
-              </a:rPr>
-              <a:t>int</a:t>
-            </a:r>
-            <a:r>
-              <a:rPr lang="en-US" dirty="0" smtClean="0">
-                <a:solidFill>
-                  <a:schemeClr val="accent2">
-                    <a:lumMod val="75000"/>
-                  </a:schemeClr>
-                </a:solidFill>
-                <a:latin typeface="Lucida Console" charset="0"/>
-                <a:ea typeface="Lucida Console" charset="0"/>
-                <a:cs typeface="Lucida Console" charset="0"/>
-              </a:rPr>
-              <a:t> </a:t>
-            </a:r>
-            <a:r>
-              <a:rPr lang="en-US" dirty="0" err="1" smtClean="0">
-                <a:latin typeface="Lucida Console" charset="0"/>
-                <a:ea typeface="Lucida Console" charset="0"/>
-                <a:cs typeface="Lucida Console" charset="0"/>
-              </a:rPr>
-              <a:t>freq</a:t>
-            </a:r>
-            <a:r>
-              <a:rPr lang="en-US" dirty="0" smtClean="0">
-                <a:latin typeface="Lucida Console" charset="0"/>
-                <a:ea typeface="Lucida Console" charset="0"/>
-                <a:cs typeface="Lucida Console" charset="0"/>
-              </a:rPr>
-              <a:t>[2</a:t>
-            </a:r>
-            <a:r>
-              <a:rPr lang="ru-RU" dirty="0" smtClean="0">
-                <a:latin typeface="Lucida Console" charset="0"/>
-                <a:ea typeface="Lucida Console" charset="0"/>
-                <a:cs typeface="Lucida Console" charset="0"/>
-              </a:rPr>
-              <a:t>6</a:t>
-            </a:r>
-            <a:r>
-              <a:rPr lang="en-US" dirty="0" smtClean="0">
-                <a:latin typeface="Lucida Console" charset="0"/>
-                <a:ea typeface="Lucida Console" charset="0"/>
-                <a:cs typeface="Lucida Console" charset="0"/>
-              </a:rPr>
-              <a:t>]</a:t>
-            </a:r>
-            <a:r>
-              <a:rPr lang="ru-RU" dirty="0" smtClean="0">
-                <a:latin typeface="Lucida Console" charset="0"/>
-                <a:ea typeface="Lucida Console" charset="0"/>
-                <a:cs typeface="Lucida Console" charset="0"/>
-              </a:rPr>
-              <a:t> = </a:t>
-            </a:r>
-            <a:r>
-              <a:rPr lang="en-US" dirty="0" smtClean="0">
-                <a:latin typeface="Lucida Console" charset="0"/>
-                <a:ea typeface="Lucida Console" charset="0"/>
-                <a:cs typeface="Lucida Console" charset="0"/>
-              </a:rPr>
-              <a:t>{};</a:t>
-            </a:r>
-          </a:p>
-          <a:p>
-            <a:r>
-              <a:rPr lang="en-US" dirty="0" smtClean="0">
-                <a:solidFill>
-                  <a:schemeClr val="accent2">
-                    <a:lumMod val="75000"/>
-                  </a:schemeClr>
-                </a:solidFill>
-                <a:latin typeface="Lucida Console" charset="0"/>
-                <a:ea typeface="Lucida Console" charset="0"/>
-                <a:cs typeface="Lucida Console" charset="0"/>
-              </a:rPr>
-              <a:t>for</a:t>
-            </a:r>
-            <a:r>
-              <a:rPr lang="en-US" dirty="0" smtClean="0">
-                <a:latin typeface="Lucida Console" charset="0"/>
-                <a:ea typeface="Lucida Console" charset="0"/>
-                <a:cs typeface="Lucida Console" charset="0"/>
-              </a:rPr>
-              <a:t>(;;) {</a:t>
-            </a:r>
-          </a:p>
-          <a:p>
-            <a:r>
-              <a:rPr lang="en-US" dirty="0">
-                <a:latin typeface="Lucida Console" charset="0"/>
-                <a:ea typeface="Lucida Console" charset="0"/>
-                <a:cs typeface="Lucida Console" charset="0"/>
-              </a:rPr>
-              <a:t> </a:t>
-            </a:r>
-            <a:r>
-              <a:rPr lang="en-US" dirty="0" smtClean="0">
-                <a:latin typeface="Lucida Console" charset="0"/>
-                <a:ea typeface="Lucida Console" charset="0"/>
-                <a:cs typeface="Lucida Console" charset="0"/>
-              </a:rPr>
-              <a:t>   </a:t>
-            </a:r>
-            <a:r>
-              <a:rPr lang="en-US" dirty="0" err="1" smtClean="0">
-                <a:solidFill>
-                  <a:schemeClr val="accent2">
-                    <a:lumMod val="75000"/>
-                  </a:schemeClr>
-                </a:solidFill>
-                <a:latin typeface="Lucida Console" charset="0"/>
-                <a:ea typeface="Lucida Console" charset="0"/>
-                <a:cs typeface="Lucida Console" charset="0"/>
-              </a:rPr>
-              <a:t>int</a:t>
-            </a:r>
-            <a:r>
-              <a:rPr lang="en-US" dirty="0" smtClean="0">
-                <a:solidFill>
-                  <a:schemeClr val="accent2">
-                    <a:lumMod val="75000"/>
-                  </a:schemeClr>
-                </a:solidFill>
-                <a:latin typeface="Lucida Console" charset="0"/>
-                <a:ea typeface="Lucida Console" charset="0"/>
-                <a:cs typeface="Lucida Console" charset="0"/>
-              </a:rPr>
-              <a:t> </a:t>
-            </a:r>
-            <a:r>
-              <a:rPr lang="en-US" dirty="0" err="1" smtClean="0">
-                <a:latin typeface="Lucida Console" charset="0"/>
-                <a:ea typeface="Lucida Console" charset="0"/>
-                <a:cs typeface="Lucida Console" charset="0"/>
-              </a:rPr>
-              <a:t>ch</a:t>
-            </a:r>
-            <a:r>
-              <a:rPr lang="en-US" dirty="0" smtClean="0">
-                <a:latin typeface="Lucida Console" charset="0"/>
-                <a:ea typeface="Lucida Console" charset="0"/>
-                <a:cs typeface="Lucida Console" charset="0"/>
-              </a:rPr>
-              <a:t> = </a:t>
-            </a:r>
-            <a:r>
-              <a:rPr lang="en-US" dirty="0" err="1" smtClean="0">
-                <a:latin typeface="Lucida Console" charset="0"/>
-                <a:ea typeface="Lucida Console" charset="0"/>
-                <a:cs typeface="Lucida Console" charset="0"/>
-              </a:rPr>
-              <a:t>getchar</a:t>
-            </a:r>
-            <a:r>
-              <a:rPr lang="en-US" dirty="0" smtClean="0">
-                <a:latin typeface="Lucida Console" charset="0"/>
-                <a:ea typeface="Lucida Console" charset="0"/>
-                <a:cs typeface="Lucida Console" charset="0"/>
-              </a:rPr>
-              <a:t>();</a:t>
-            </a:r>
-          </a:p>
-          <a:p>
-            <a:r>
-              <a:rPr lang="en-US" dirty="0">
-                <a:latin typeface="Lucida Console" charset="0"/>
-                <a:ea typeface="Lucida Console" charset="0"/>
-                <a:cs typeface="Lucida Console" charset="0"/>
-              </a:rPr>
-              <a:t> </a:t>
-            </a:r>
-            <a:r>
-              <a:rPr lang="en-US" dirty="0" smtClean="0">
-                <a:latin typeface="Lucida Console" charset="0"/>
-                <a:ea typeface="Lucida Console" charset="0"/>
-                <a:cs typeface="Lucida Console" charset="0"/>
-              </a:rPr>
-              <a:t>   </a:t>
-            </a:r>
-            <a:r>
-              <a:rPr lang="en-US" dirty="0" smtClean="0">
-                <a:solidFill>
-                  <a:schemeClr val="accent2">
-                    <a:lumMod val="75000"/>
-                  </a:schemeClr>
-                </a:solidFill>
-                <a:latin typeface="Lucida Console" charset="0"/>
-                <a:ea typeface="Lucida Console" charset="0"/>
-                <a:cs typeface="Lucida Console" charset="0"/>
-              </a:rPr>
-              <a:t>if</a:t>
-            </a:r>
-            <a:r>
-              <a:rPr lang="en-US" dirty="0" smtClean="0">
-                <a:latin typeface="Lucida Console" charset="0"/>
-                <a:ea typeface="Lucida Console" charset="0"/>
-                <a:cs typeface="Lucida Console" charset="0"/>
-              </a:rPr>
-              <a:t> (’a’ &gt; </a:t>
-            </a:r>
-            <a:r>
-              <a:rPr lang="en-US" dirty="0" err="1" smtClean="0">
-                <a:latin typeface="Lucida Console" charset="0"/>
-                <a:ea typeface="Lucida Console" charset="0"/>
-                <a:cs typeface="Lucida Console" charset="0"/>
-              </a:rPr>
-              <a:t>ch</a:t>
-            </a:r>
-            <a:r>
-              <a:rPr lang="en-US" dirty="0">
-                <a:latin typeface="Lucida Console" charset="0"/>
-                <a:ea typeface="Lucida Console" charset="0"/>
-                <a:cs typeface="Lucida Console" charset="0"/>
-              </a:rPr>
-              <a:t> </a:t>
-            </a:r>
-            <a:r>
-              <a:rPr lang="en-US" dirty="0" smtClean="0">
-                <a:latin typeface="Lucida Console" charset="0"/>
-                <a:ea typeface="Lucida Console" charset="0"/>
-                <a:cs typeface="Lucida Console" charset="0"/>
-              </a:rPr>
-              <a:t>|| </a:t>
-            </a:r>
-            <a:r>
-              <a:rPr lang="en-US" dirty="0" err="1" smtClean="0">
-                <a:latin typeface="Lucida Console" charset="0"/>
-                <a:ea typeface="Lucida Console" charset="0"/>
-                <a:cs typeface="Lucida Console" charset="0"/>
-              </a:rPr>
-              <a:t>ch</a:t>
-            </a:r>
-            <a:r>
-              <a:rPr lang="en-US" dirty="0" smtClean="0">
-                <a:latin typeface="Lucida Console" charset="0"/>
-                <a:ea typeface="Lucida Console" charset="0"/>
-                <a:cs typeface="Lucida Console" charset="0"/>
-              </a:rPr>
-              <a:t> &lt; ‘z’) </a:t>
-            </a:r>
-          </a:p>
-          <a:p>
-            <a:r>
-              <a:rPr lang="en-US" dirty="0">
-                <a:latin typeface="Lucida Console" charset="0"/>
-                <a:ea typeface="Lucida Console" charset="0"/>
-                <a:cs typeface="Lucida Console" charset="0"/>
-              </a:rPr>
-              <a:t> </a:t>
-            </a:r>
-            <a:r>
-              <a:rPr lang="en-US" dirty="0" smtClean="0">
-                <a:latin typeface="Lucida Console" charset="0"/>
-                <a:ea typeface="Lucida Console" charset="0"/>
-                <a:cs typeface="Lucida Console" charset="0"/>
-              </a:rPr>
-              <a:t>       </a:t>
-            </a:r>
-            <a:r>
-              <a:rPr lang="en-US" dirty="0" smtClean="0">
-                <a:solidFill>
-                  <a:schemeClr val="accent2">
-                    <a:lumMod val="75000"/>
-                  </a:schemeClr>
-                </a:solidFill>
-                <a:latin typeface="Lucida Console" charset="0"/>
-                <a:ea typeface="Lucida Console" charset="0"/>
-                <a:cs typeface="Lucida Console" charset="0"/>
-              </a:rPr>
-              <a:t>return</a:t>
-            </a:r>
-            <a:r>
-              <a:rPr lang="en-US" dirty="0" smtClean="0">
-                <a:latin typeface="Lucida Console" charset="0"/>
-                <a:ea typeface="Lucida Console" charset="0"/>
-                <a:cs typeface="Lucida Console" charset="0"/>
-              </a:rPr>
-              <a:t> 0;</a:t>
-            </a:r>
-          </a:p>
-          <a:p>
-            <a:r>
-              <a:rPr lang="en-US" dirty="0">
-                <a:latin typeface="Lucida Console" charset="0"/>
-                <a:ea typeface="Lucida Console" charset="0"/>
-                <a:cs typeface="Lucida Console" charset="0"/>
-              </a:rPr>
-              <a:t> </a:t>
-            </a:r>
-            <a:r>
-              <a:rPr lang="en-US" dirty="0" smtClean="0">
-                <a:latin typeface="Lucida Console" charset="0"/>
-                <a:ea typeface="Lucida Console" charset="0"/>
-                <a:cs typeface="Lucida Console" charset="0"/>
-              </a:rPr>
-              <a:t>   </a:t>
-            </a:r>
-            <a:r>
-              <a:rPr lang="en-US" dirty="0" err="1" smtClean="0">
-                <a:solidFill>
-                  <a:schemeClr val="accent2">
-                    <a:lumMod val="75000"/>
-                  </a:schemeClr>
-                </a:solidFill>
-                <a:latin typeface="Lucida Console" charset="0"/>
-                <a:ea typeface="Lucida Console" charset="0"/>
-                <a:cs typeface="Lucida Console" charset="0"/>
-              </a:rPr>
-              <a:t>int</a:t>
-            </a:r>
-            <a:r>
-              <a:rPr lang="en-US" dirty="0" smtClean="0">
-                <a:solidFill>
-                  <a:schemeClr val="accent2">
-                    <a:lumMod val="75000"/>
-                  </a:schemeClr>
-                </a:solidFill>
-                <a:latin typeface="Lucida Console" charset="0"/>
-                <a:ea typeface="Lucida Console" charset="0"/>
-                <a:cs typeface="Lucida Console" charset="0"/>
-              </a:rPr>
-              <a:t> </a:t>
-            </a:r>
-            <a:r>
-              <a:rPr lang="en-US" dirty="0" err="1" smtClean="0">
-                <a:latin typeface="Lucida Console" charset="0"/>
-                <a:ea typeface="Lucida Console" charset="0"/>
-                <a:cs typeface="Lucida Console" charset="0"/>
-              </a:rPr>
-              <a:t>idx</a:t>
-            </a:r>
-            <a:r>
-              <a:rPr lang="en-US" dirty="0" smtClean="0">
-                <a:latin typeface="Lucida Console" charset="0"/>
-                <a:ea typeface="Lucida Console" charset="0"/>
-                <a:cs typeface="Lucida Console" charset="0"/>
-              </a:rPr>
-              <a:t> = ‘a’ – </a:t>
-            </a:r>
-            <a:r>
-              <a:rPr lang="en-US" dirty="0" err="1" smtClean="0">
-                <a:latin typeface="Lucida Console" charset="0"/>
-                <a:ea typeface="Lucida Console" charset="0"/>
-                <a:cs typeface="Lucida Console" charset="0"/>
-              </a:rPr>
-              <a:t>ch</a:t>
-            </a:r>
-            <a:r>
-              <a:rPr lang="en-US" dirty="0" smtClean="0">
-                <a:latin typeface="Lucida Console" charset="0"/>
-                <a:ea typeface="Lucida Console" charset="0"/>
-                <a:cs typeface="Lucida Console" charset="0"/>
-              </a:rPr>
-              <a:t>; </a:t>
-            </a:r>
-          </a:p>
-          <a:p>
-            <a:r>
-              <a:rPr lang="en-US" dirty="0">
-                <a:latin typeface="Lucida Console" charset="0"/>
-                <a:ea typeface="Lucida Console" charset="0"/>
-                <a:cs typeface="Lucida Console" charset="0"/>
-              </a:rPr>
-              <a:t> </a:t>
-            </a:r>
-            <a:r>
-              <a:rPr lang="en-US" dirty="0" smtClean="0">
-                <a:latin typeface="Lucida Console" charset="0"/>
-                <a:ea typeface="Lucida Console" charset="0"/>
-                <a:cs typeface="Lucida Console" charset="0"/>
-              </a:rPr>
-              <a:t>   </a:t>
-            </a:r>
-            <a:r>
-              <a:rPr lang="en-US" dirty="0" err="1" smtClean="0">
-                <a:latin typeface="Lucida Console" charset="0"/>
-                <a:ea typeface="Lucida Console" charset="0"/>
-                <a:cs typeface="Lucida Console" charset="0"/>
-              </a:rPr>
-              <a:t>freq</a:t>
-            </a:r>
-            <a:r>
-              <a:rPr lang="en-US" dirty="0" smtClean="0">
-                <a:latin typeface="Lucida Console" charset="0"/>
-                <a:ea typeface="Lucida Console" charset="0"/>
-                <a:cs typeface="Lucida Console" charset="0"/>
-              </a:rPr>
-              <a:t>[</a:t>
-            </a:r>
-            <a:r>
-              <a:rPr lang="en-US" dirty="0" err="1" smtClean="0">
-                <a:latin typeface="Lucida Console" charset="0"/>
-                <a:ea typeface="Lucida Console" charset="0"/>
-                <a:cs typeface="Lucida Console" charset="0"/>
-              </a:rPr>
-              <a:t>idx</a:t>
-            </a:r>
-            <a:r>
-              <a:rPr lang="en-US" dirty="0" smtClean="0">
-                <a:latin typeface="Lucida Console" charset="0"/>
-                <a:ea typeface="Lucida Console" charset="0"/>
-                <a:cs typeface="Lucida Console" charset="0"/>
-              </a:rPr>
-              <a:t>]++;</a:t>
-            </a:r>
-          </a:p>
-          <a:p>
-            <a:r>
-              <a:rPr lang="en-US" dirty="0" smtClean="0">
-                <a:latin typeface="Lucida Console" charset="0"/>
-                <a:ea typeface="Lucida Console" charset="0"/>
-                <a:cs typeface="Lucida Console" charset="0"/>
-              </a:rPr>
-              <a:t>}</a:t>
-            </a:r>
-            <a:endParaRPr lang="en-US" dirty="0">
-              <a:latin typeface="Lucida Console" charset="0"/>
-              <a:ea typeface="Lucida Console" charset="0"/>
-              <a:cs typeface="Lucida Console" charset="0"/>
-            </a:endParaRPr>
-          </a:p>
-        </p:txBody>
-      </p:sp>
-      <p:sp>
-        <p:nvSpPr>
-          <p:cNvPr id="62" name="Right Brace 61"/>
-          <p:cNvSpPr/>
-          <p:nvPr/>
-        </p:nvSpPr>
-        <p:spPr>
-          <a:xfrm rot="5400000">
-            <a:off x="2521782" y="3565823"/>
-            <a:ext cx="320810" cy="1025236"/>
-          </a:xfrm>
-          <a:prstGeom prst="rightBrace">
-            <a:avLst>
-              <a:gd name="adj1" fmla="val 8333"/>
-              <a:gd name="adj2" fmla="val 51351"/>
-            </a:avLst>
-          </a:prstGeom>
-        </p:spPr>
-        <p:style>
-          <a:lnRef idx="1">
-            <a:schemeClr val="accent2"/>
-          </a:lnRef>
-          <a:fillRef idx="0">
-            <a:schemeClr val="accent2"/>
-          </a:fillRef>
-          <a:effectRef idx="0">
-            <a:schemeClr val="accent2"/>
-          </a:effectRef>
-          <a:fontRef idx="minor">
-            <a:schemeClr val="tx1"/>
-          </a:fontRef>
-        </p:style>
-        <p:txBody>
-          <a:bodyPr rtlCol="0" anchor="ctr"/>
-          <a:lstStyle/>
-          <a:p>
-            <a:pPr algn="ctr"/>
-            <a:endParaRPr lang="en-US"/>
-          </a:p>
-        </p:txBody>
-      </p:sp>
-      <p:cxnSp>
-        <p:nvCxnSpPr>
-          <p:cNvPr id="85" name="Straight Connector 84"/>
-          <p:cNvCxnSpPr/>
-          <p:nvPr/>
-        </p:nvCxnSpPr>
-        <p:spPr>
-          <a:xfrm>
-            <a:off x="1144333" y="3903041"/>
-            <a:ext cx="0" cy="1250204"/>
-          </a:xfrm>
-          <a:prstGeom prst="line">
-            <a:avLst/>
-          </a:prstGeom>
-        </p:spPr>
-        <p:style>
-          <a:lnRef idx="1">
-            <a:schemeClr val="accent2"/>
-          </a:lnRef>
-          <a:fillRef idx="0">
-            <a:schemeClr val="accent2"/>
-          </a:fillRef>
-          <a:effectRef idx="0">
-            <a:schemeClr val="accent2"/>
-          </a:effectRef>
-          <a:fontRef idx="minor">
-            <a:schemeClr val="tx1"/>
-          </a:fontRef>
-        </p:style>
-      </p:cxnSp>
-      <p:cxnSp>
-        <p:nvCxnSpPr>
-          <p:cNvPr id="86" name="Straight Connector 85"/>
-          <p:cNvCxnSpPr/>
-          <p:nvPr/>
-        </p:nvCxnSpPr>
-        <p:spPr>
-          <a:xfrm>
-            <a:off x="6270513" y="3903041"/>
-            <a:ext cx="0" cy="1250204"/>
-          </a:xfrm>
-          <a:prstGeom prst="line">
-            <a:avLst/>
-          </a:prstGeom>
-        </p:spPr>
-        <p:style>
-          <a:lnRef idx="1">
-            <a:schemeClr val="accent2"/>
-          </a:lnRef>
-          <a:fillRef idx="0">
-            <a:schemeClr val="accent2"/>
-          </a:fillRef>
-          <a:effectRef idx="0">
-            <a:schemeClr val="accent2"/>
-          </a:effectRef>
-          <a:fontRef idx="minor">
-            <a:schemeClr val="tx1"/>
-          </a:fontRef>
-        </p:style>
-      </p:cxnSp>
-      <p:cxnSp>
-        <p:nvCxnSpPr>
-          <p:cNvPr id="88" name="Straight Arrow Connector 87"/>
-          <p:cNvCxnSpPr/>
-          <p:nvPr/>
-        </p:nvCxnSpPr>
-        <p:spPr>
-          <a:xfrm>
-            <a:off x="1144333" y="4931572"/>
-            <a:ext cx="5126180" cy="13855"/>
-          </a:xfrm>
-          <a:prstGeom prst="straightConnector1">
-            <a:avLst/>
-          </a:prstGeom>
-          <a:ln>
-            <a:headEnd type="triangle"/>
-            <a:tailEnd type="triangle"/>
-          </a:ln>
-        </p:spPr>
-        <p:style>
-          <a:lnRef idx="1">
-            <a:schemeClr val="accent2"/>
-          </a:lnRef>
-          <a:fillRef idx="0">
-            <a:schemeClr val="accent2"/>
-          </a:fillRef>
-          <a:effectRef idx="0">
-            <a:schemeClr val="accent2"/>
-          </a:effectRef>
-          <a:fontRef idx="minor">
-            <a:schemeClr val="tx1"/>
-          </a:fontRef>
-        </p:style>
-      </p:cxnSp>
-      <p:sp>
-        <p:nvSpPr>
-          <p:cNvPr id="90" name="TextBox 89"/>
-          <p:cNvSpPr txBox="1"/>
-          <p:nvPr/>
-        </p:nvSpPr>
-        <p:spPr>
-          <a:xfrm>
-            <a:off x="2058849" y="4220192"/>
-            <a:ext cx="1207382" cy="276999"/>
+            <a:off x="3329106" y="1941095"/>
+            <a:ext cx="5734262" cy="369332"/>
           </a:xfrm>
           <a:prstGeom prst="rect">
             <a:avLst/>
@@ -10163,245 +9211,66 @@
           <a:lstStyle/>
           <a:p>
             <a:r>
-              <a:rPr lang="en-US" sz="1200" dirty="0" err="1" smtClean="0">
-                <a:solidFill>
-                  <a:schemeClr val="accent2">
-                    <a:lumMod val="75000"/>
-                  </a:schemeClr>
-                </a:solidFill>
-                <a:latin typeface="Lucida Console" charset="0"/>
-                <a:ea typeface="Lucida Console" charset="0"/>
-                <a:cs typeface="Lucida Console" charset="0"/>
-              </a:rPr>
-              <a:t>sizeof</a:t>
-            </a:r>
-            <a:r>
-              <a:rPr lang="en-US" sz="1200" dirty="0" smtClean="0">
-                <a:solidFill>
-                  <a:schemeClr val="accent2">
-                    <a:lumMod val="75000"/>
-                  </a:schemeClr>
-                </a:solidFill>
-                <a:latin typeface="Lucida Console" charset="0"/>
-                <a:ea typeface="Lucida Console" charset="0"/>
-                <a:cs typeface="Lucida Console" charset="0"/>
-              </a:rPr>
-              <a:t>(</a:t>
-            </a:r>
-            <a:r>
-              <a:rPr lang="en-US" sz="1200" dirty="0" err="1" smtClean="0">
-                <a:solidFill>
-                  <a:schemeClr val="accent2">
-                    <a:lumMod val="75000"/>
-                  </a:schemeClr>
-                </a:solidFill>
-                <a:latin typeface="Lucida Console" charset="0"/>
-                <a:ea typeface="Lucida Console" charset="0"/>
-                <a:cs typeface="Lucida Console" charset="0"/>
-              </a:rPr>
-              <a:t>int</a:t>
-            </a:r>
-            <a:r>
-              <a:rPr lang="en-US" sz="1200" dirty="0" smtClean="0">
-                <a:solidFill>
-                  <a:schemeClr val="accent2">
-                    <a:lumMod val="75000"/>
-                  </a:schemeClr>
-                </a:solidFill>
-                <a:latin typeface="Lucida Console" charset="0"/>
-                <a:ea typeface="Lucida Console" charset="0"/>
-                <a:cs typeface="Lucida Console" charset="0"/>
-              </a:rPr>
-              <a:t>)</a:t>
-            </a:r>
-            <a:endParaRPr lang="en-US" sz="1200" dirty="0">
-              <a:solidFill>
-                <a:schemeClr val="accent2">
-                  <a:lumMod val="75000"/>
-                </a:schemeClr>
-              </a:solidFill>
-              <a:latin typeface="Lucida Console" charset="0"/>
-              <a:ea typeface="Lucida Console" charset="0"/>
-              <a:cs typeface="Lucida Console" charset="0"/>
-            </a:endParaRPr>
+              <a:rPr lang="ru-RU" dirty="0" smtClean="0"/>
+              <a:t>С помощью массивов можно красиво решить эту задачу</a:t>
+            </a:r>
+            <a:endParaRPr lang="en-US" dirty="0"/>
           </a:p>
         </p:txBody>
       </p:sp>
-      <mc:AlternateContent xmlns:mc="http://schemas.openxmlformats.org/markup-compatibility/2006">
-        <mc:Choice xmlns:a14="http://schemas.microsoft.com/office/drawing/2010/main" Requires="a14">
-          <p:sp>
-            <p:nvSpPr>
-              <p:cNvPr id="91" name="TextBox 90"/>
-              <p:cNvSpPr txBox="1"/>
-              <p:nvPr/>
-            </p:nvSpPr>
-            <p:spPr>
-              <a:xfrm>
-                <a:off x="2922097" y="4669962"/>
-                <a:ext cx="1615752" cy="261610"/>
-              </a:xfrm>
-              <a:prstGeom prst="rect">
-                <a:avLst/>
-              </a:prstGeom>
-              <a:noFill/>
-            </p:spPr>
-            <p:txBody>
-              <a:bodyPr wrap="square" rtlCol="0">
-                <a:spAutoFit/>
-              </a:bodyPr>
-              <a:lstStyle/>
-              <a:p>
-                <a:r>
-                  <a:rPr lang="en-US" sz="1100" dirty="0" err="1" smtClean="0">
-                    <a:solidFill>
-                      <a:schemeClr val="accent2">
-                        <a:lumMod val="75000"/>
-                      </a:schemeClr>
-                    </a:solidFill>
-                    <a:latin typeface="Lucida Console" charset="0"/>
-                    <a:ea typeface="Lucida Console" charset="0"/>
-                    <a:cs typeface="Lucida Console" charset="0"/>
-                  </a:rPr>
-                  <a:t>sizeof</a:t>
-                </a:r>
-                <a:r>
-                  <a:rPr lang="en-US" sz="1100" dirty="0" smtClean="0">
-                    <a:solidFill>
-                      <a:schemeClr val="accent2">
-                        <a:lumMod val="75000"/>
-                      </a:schemeClr>
-                    </a:solidFill>
-                    <a:latin typeface="Lucida Console" charset="0"/>
-                    <a:ea typeface="Lucida Console" charset="0"/>
-                    <a:cs typeface="Lucida Console" charset="0"/>
-                  </a:rPr>
-                  <a:t>(</a:t>
-                </a:r>
-                <a:r>
-                  <a:rPr lang="en-US" sz="1100" dirty="0" err="1" smtClean="0">
-                    <a:solidFill>
-                      <a:schemeClr val="accent2">
-                        <a:lumMod val="75000"/>
-                      </a:schemeClr>
-                    </a:solidFill>
-                    <a:latin typeface="Lucida Console" charset="0"/>
-                    <a:ea typeface="Lucida Console" charset="0"/>
-                    <a:cs typeface="Lucida Console" charset="0"/>
-                  </a:rPr>
-                  <a:t>int</a:t>
-                </a:r>
-                <a:r>
-                  <a:rPr lang="en-US" sz="1100" dirty="0" smtClean="0">
-                    <a:solidFill>
-                      <a:schemeClr val="accent2">
-                        <a:lumMod val="75000"/>
-                      </a:schemeClr>
-                    </a:solidFill>
-                    <a:latin typeface="Lucida Console" charset="0"/>
-                    <a:ea typeface="Lucida Console" charset="0"/>
-                    <a:cs typeface="Lucida Console" charset="0"/>
-                  </a:rPr>
-                  <a:t>) </a:t>
-                </a:r>
-                <a14:m>
-                  <m:oMath xmlns:m="http://schemas.openxmlformats.org/officeDocument/2006/math">
-                    <m:r>
-                      <a:rPr lang="en-US" sz="1100" i="1" smtClean="0">
-                        <a:solidFill>
-                          <a:schemeClr val="accent2">
-                            <a:lumMod val="75000"/>
-                          </a:schemeClr>
-                        </a:solidFill>
-                        <a:latin typeface="Cambria Math" charset="0"/>
-                        <a:ea typeface="Cambria Math" charset="0"/>
-                        <a:cs typeface="Cambria Math" charset="0"/>
-                      </a:rPr>
-                      <m:t>×</m:t>
-                    </m:r>
-                  </m:oMath>
-                </a14:m>
-                <a:r>
-                  <a:rPr lang="en-US" sz="1100" dirty="0" smtClean="0">
-                    <a:solidFill>
-                      <a:schemeClr val="accent2">
-                        <a:lumMod val="75000"/>
-                      </a:schemeClr>
-                    </a:solidFill>
-                    <a:latin typeface="Lucida Console" charset="0"/>
-                    <a:ea typeface="Lucida Console" charset="0"/>
-                    <a:cs typeface="Lucida Console" charset="0"/>
-                  </a:rPr>
-                  <a:t> 5</a:t>
-                </a:r>
-                <a:endParaRPr lang="en-US" sz="1100" dirty="0">
-                  <a:solidFill>
-                    <a:schemeClr val="accent2">
-                      <a:lumMod val="75000"/>
-                    </a:schemeClr>
-                  </a:solidFill>
-                  <a:latin typeface="Lucida Console" charset="0"/>
-                  <a:ea typeface="Lucida Console" charset="0"/>
-                  <a:cs typeface="Lucida Console" charset="0"/>
-                </a:endParaRPr>
-              </a:p>
-            </p:txBody>
-          </p:sp>
-        </mc:Choice>
-        <mc:Fallback>
-          <p:sp>
-            <p:nvSpPr>
-              <p:cNvPr id="91" name="TextBox 90"/>
-              <p:cNvSpPr txBox="1">
-                <a:spLocks noRot="1" noChangeAspect="1" noMove="1" noResize="1" noEditPoints="1" noAdjustHandles="1" noChangeArrowheads="1" noChangeShapeType="1" noTextEdit="1"/>
-              </p:cNvSpPr>
-              <p:nvPr/>
-            </p:nvSpPr>
-            <p:spPr>
-              <a:xfrm>
-                <a:off x="2922097" y="4669962"/>
-                <a:ext cx="1615752" cy="261610"/>
-              </a:xfrm>
-              <a:prstGeom prst="rect">
-                <a:avLst/>
-              </a:prstGeom>
-              <a:blipFill rotWithShape="0">
-                <a:blip r:embed="rId2"/>
-                <a:stretch>
-                  <a:fillRect b="-16279"/>
-                </a:stretch>
-              </a:blipFill>
-            </p:spPr>
-            <p:txBody>
-              <a:bodyPr/>
-              <a:lstStyle/>
-              <a:p>
-                <a:r>
-                  <a:rPr lang="en-US">
-                    <a:noFill/>
-                  </a:rPr>
-                  <a:t> </a:t>
-                </a:r>
-              </a:p>
-            </p:txBody>
-          </p:sp>
-        </mc:Fallback>
-      </mc:AlternateContent>
-      <p:sp>
-        <p:nvSpPr>
-          <p:cNvPr id="5" name="Snip Diagonal Corner Rectangle 4"/>
+      <p:sp>
+        <p:nvSpPr>
+          <p:cNvPr id="3" name="TextBox 2"/>
+          <p:cNvSpPr txBox="1"/>
+          <p:nvPr/>
+        </p:nvSpPr>
+        <p:spPr>
+          <a:xfrm>
+            <a:off x="3329106" y="2560834"/>
+            <a:ext cx="5993692" cy="369332"/>
+          </a:xfrm>
+          <a:prstGeom prst="rect">
+            <a:avLst/>
+          </a:prstGeom>
+          <a:noFill/>
+        </p:spPr>
+        <p:txBody>
+          <a:bodyPr wrap="none" rtlCol="0">
+            <a:spAutoFit/>
+          </a:bodyPr>
+          <a:lstStyle/>
+          <a:p>
+            <a:r>
+              <a:rPr lang="ru-RU" dirty="0" smtClean="0"/>
+              <a:t>Массив - это </a:t>
+            </a:r>
+            <a:r>
+              <a:rPr lang="ru-RU" smtClean="0"/>
+              <a:t>набор однотипных подряд идущих элементов</a:t>
+            </a:r>
+            <a:endParaRPr lang="en-US" dirty="0"/>
+          </a:p>
+        </p:txBody>
+      </p:sp>
+      <p:sp>
+        <p:nvSpPr>
+          <p:cNvPr id="4" name="Rectangle 3"/>
           <p:cNvSpPr/>
           <p:nvPr/>
         </p:nvSpPr>
         <p:spPr>
           <a:xfrm>
-            <a:off x="4220041" y="2877805"/>
-            <a:ext cx="1025236" cy="1025236"/>
+            <a:off x="3329106" y="3800313"/>
+            <a:ext cx="1042737" cy="1042737"/>
           </a:xfrm>
-          <a:prstGeom prst="snip2DiagRect">
+          <a:prstGeom prst="rect">
             <a:avLst/>
           </a:prstGeom>
           <a:solidFill>
-            <a:srgbClr val="FBEDDC"/>
+            <a:schemeClr val="accent2">
+              <a:lumMod val="20000"/>
+              <a:lumOff val="80000"/>
+            </a:schemeClr>
           </a:solidFill>
         </p:spPr>
         <p:style>
@@ -10426,14 +9295,14 @@
           <a:p>
             <a:pPr algn="ctr"/>
             <a:r>
-              <a:rPr lang="en-US" dirty="0" smtClean="0">
+              <a:rPr lang="ru-RU" dirty="0" smtClean="0">
                 <a:solidFill>
                   <a:schemeClr val="accent2">
                     <a:lumMod val="75000"/>
                   </a:schemeClr>
                 </a:solidFill>
               </a:rPr>
-              <a:t>. . .</a:t>
+              <a:t>1 элемент</a:t>
             </a:r>
             <a:endParaRPr lang="en-US" dirty="0">
               <a:solidFill>
@@ -10445,10 +9314,383 @@
           </a:p>
         </p:txBody>
       </p:sp>
+      <p:sp>
+        <p:nvSpPr>
+          <p:cNvPr id="9" name="Rectangle 8"/>
+          <p:cNvSpPr/>
+          <p:nvPr/>
+        </p:nvSpPr>
+        <p:spPr>
+          <a:xfrm>
+            <a:off x="4371843" y="3800312"/>
+            <a:ext cx="1042737" cy="1042737"/>
+          </a:xfrm>
+          <a:prstGeom prst="rect">
+            <a:avLst/>
+          </a:prstGeom>
+          <a:solidFill>
+            <a:schemeClr val="accent2">
+              <a:lumMod val="20000"/>
+              <a:lumOff val="80000"/>
+            </a:schemeClr>
+          </a:solidFill>
+        </p:spPr>
+        <p:style>
+          <a:lnRef idx="2">
+            <a:schemeClr val="accent2">
+              <a:shade val="50000"/>
+            </a:schemeClr>
+          </a:lnRef>
+          <a:fillRef idx="1">
+            <a:schemeClr val="accent2"/>
+          </a:fillRef>
+          <a:effectRef idx="0">
+            <a:schemeClr val="accent2"/>
+          </a:effectRef>
+          <a:fontRef idx="minor">
+            <a:schemeClr val="lt1"/>
+          </a:fontRef>
+        </p:style>
+        <p:txBody>
+          <a:bodyPr rtlCol="0" anchor="ctr"/>
+          <a:lstStyle/>
+          <a:p>
+            <a:pPr algn="ctr"/>
+            <a:r>
+              <a:rPr lang="ru-RU" dirty="0" smtClean="0">
+                <a:solidFill>
+                  <a:schemeClr val="accent2">
+                    <a:lumMod val="75000"/>
+                  </a:schemeClr>
+                </a:solidFill>
+              </a:rPr>
+              <a:t>2 </a:t>
+            </a:r>
+            <a:r>
+              <a:rPr lang="ru-RU" dirty="0">
+                <a:solidFill>
+                  <a:schemeClr val="accent2">
+                    <a:lumMod val="75000"/>
+                  </a:schemeClr>
+                </a:solidFill>
+              </a:rPr>
+              <a:t>элемент</a:t>
+            </a:r>
+            <a:endParaRPr lang="en-US" dirty="0">
+              <a:solidFill>
+                <a:schemeClr val="accent2">
+                  <a:lumMod val="75000"/>
+                </a:schemeClr>
+              </a:solidFill>
+            </a:endParaRPr>
+          </a:p>
+        </p:txBody>
+      </p:sp>
+      <p:sp>
+        <p:nvSpPr>
+          <p:cNvPr id="10" name="Rectangle 9"/>
+          <p:cNvSpPr/>
+          <p:nvPr/>
+        </p:nvSpPr>
+        <p:spPr>
+          <a:xfrm>
+            <a:off x="5414580" y="3800312"/>
+            <a:ext cx="1042737" cy="1042737"/>
+          </a:xfrm>
+          <a:prstGeom prst="rect">
+            <a:avLst/>
+          </a:prstGeom>
+          <a:solidFill>
+            <a:schemeClr val="accent2">
+              <a:lumMod val="20000"/>
+              <a:lumOff val="80000"/>
+            </a:schemeClr>
+          </a:solidFill>
+        </p:spPr>
+        <p:style>
+          <a:lnRef idx="2">
+            <a:schemeClr val="accent2">
+              <a:shade val="50000"/>
+            </a:schemeClr>
+          </a:lnRef>
+          <a:fillRef idx="1">
+            <a:schemeClr val="accent2"/>
+          </a:fillRef>
+          <a:effectRef idx="0">
+            <a:schemeClr val="accent2"/>
+          </a:effectRef>
+          <a:fontRef idx="minor">
+            <a:schemeClr val="lt1"/>
+          </a:fontRef>
+        </p:style>
+        <p:txBody>
+          <a:bodyPr rtlCol="0" anchor="ctr"/>
+          <a:lstStyle/>
+          <a:p>
+            <a:pPr algn="ctr"/>
+            <a:r>
+              <a:rPr lang="ru-RU" dirty="0" smtClean="0">
+                <a:solidFill>
+                  <a:schemeClr val="accent2">
+                    <a:lumMod val="75000"/>
+                  </a:schemeClr>
+                </a:solidFill>
+              </a:rPr>
+              <a:t>3</a:t>
+            </a:r>
+          </a:p>
+          <a:p>
+            <a:pPr algn="ctr"/>
+            <a:r>
+              <a:rPr lang="ru-RU" dirty="0" smtClean="0">
+                <a:solidFill>
+                  <a:schemeClr val="accent2">
+                    <a:lumMod val="75000"/>
+                  </a:schemeClr>
+                </a:solidFill>
+              </a:rPr>
+              <a:t>элемент</a:t>
+            </a:r>
+            <a:endParaRPr lang="en-US" dirty="0">
+              <a:solidFill>
+                <a:schemeClr val="accent2">
+                  <a:lumMod val="75000"/>
+                </a:schemeClr>
+              </a:solidFill>
+            </a:endParaRPr>
+          </a:p>
+        </p:txBody>
+      </p:sp>
+      <p:sp>
+        <p:nvSpPr>
+          <p:cNvPr id="11" name="Rectangle 10"/>
+          <p:cNvSpPr/>
+          <p:nvPr/>
+        </p:nvSpPr>
+        <p:spPr>
+          <a:xfrm>
+            <a:off x="6457317" y="3800313"/>
+            <a:ext cx="1042737" cy="1042737"/>
+          </a:xfrm>
+          <a:prstGeom prst="rect">
+            <a:avLst/>
+          </a:prstGeom>
+          <a:solidFill>
+            <a:schemeClr val="accent2">
+              <a:lumMod val="20000"/>
+              <a:lumOff val="80000"/>
+            </a:schemeClr>
+          </a:solidFill>
+        </p:spPr>
+        <p:style>
+          <a:lnRef idx="2">
+            <a:schemeClr val="accent2">
+              <a:shade val="50000"/>
+            </a:schemeClr>
+          </a:lnRef>
+          <a:fillRef idx="1">
+            <a:schemeClr val="accent2"/>
+          </a:fillRef>
+          <a:effectRef idx="0">
+            <a:schemeClr val="accent2"/>
+          </a:effectRef>
+          <a:fontRef idx="minor">
+            <a:schemeClr val="lt1"/>
+          </a:fontRef>
+        </p:style>
+        <p:txBody>
+          <a:bodyPr rtlCol="0" anchor="ctr"/>
+          <a:lstStyle/>
+          <a:p>
+            <a:pPr algn="ctr"/>
+            <a:r>
+              <a:rPr lang="ru-RU" dirty="0">
+                <a:solidFill>
+                  <a:schemeClr val="accent2">
+                    <a:lumMod val="75000"/>
+                  </a:schemeClr>
+                </a:solidFill>
+              </a:rPr>
+              <a:t>4</a:t>
+            </a:r>
+            <a:r>
+              <a:rPr lang="ru-RU" dirty="0" smtClean="0">
+                <a:solidFill>
+                  <a:schemeClr val="accent2">
+                    <a:lumMod val="75000"/>
+                  </a:schemeClr>
+                </a:solidFill>
+              </a:rPr>
+              <a:t> </a:t>
+            </a:r>
+            <a:r>
+              <a:rPr lang="ru-RU" dirty="0">
+                <a:solidFill>
+                  <a:schemeClr val="accent2">
+                    <a:lumMod val="75000"/>
+                  </a:schemeClr>
+                </a:solidFill>
+              </a:rPr>
+              <a:t>элемент</a:t>
+            </a:r>
+            <a:endParaRPr lang="en-US" dirty="0">
+              <a:solidFill>
+                <a:schemeClr val="accent2">
+                  <a:lumMod val="75000"/>
+                </a:schemeClr>
+              </a:solidFill>
+            </a:endParaRPr>
+          </a:p>
+        </p:txBody>
+      </p:sp>
+      <p:sp>
+        <p:nvSpPr>
+          <p:cNvPr id="14" name="Rectangle 13"/>
+          <p:cNvSpPr/>
+          <p:nvPr/>
+        </p:nvSpPr>
+        <p:spPr>
+          <a:xfrm>
+            <a:off x="7500054" y="3800312"/>
+            <a:ext cx="1042737" cy="1042737"/>
+          </a:xfrm>
+          <a:prstGeom prst="rect">
+            <a:avLst/>
+          </a:prstGeom>
+          <a:solidFill>
+            <a:schemeClr val="accent2">
+              <a:lumMod val="20000"/>
+              <a:lumOff val="80000"/>
+            </a:schemeClr>
+          </a:solidFill>
+        </p:spPr>
+        <p:style>
+          <a:lnRef idx="2">
+            <a:schemeClr val="accent2">
+              <a:shade val="50000"/>
+            </a:schemeClr>
+          </a:lnRef>
+          <a:fillRef idx="1">
+            <a:schemeClr val="accent2"/>
+          </a:fillRef>
+          <a:effectRef idx="0">
+            <a:schemeClr val="accent2"/>
+          </a:effectRef>
+          <a:fontRef idx="minor">
+            <a:schemeClr val="lt1"/>
+          </a:fontRef>
+        </p:style>
+        <p:txBody>
+          <a:bodyPr rtlCol="0" anchor="ctr"/>
+          <a:lstStyle/>
+          <a:p>
+            <a:pPr algn="ctr"/>
+            <a:r>
+              <a:rPr lang="ru-RU" dirty="0" smtClean="0">
+                <a:solidFill>
+                  <a:schemeClr val="accent2">
+                    <a:lumMod val="75000"/>
+                  </a:schemeClr>
+                </a:solidFill>
+              </a:rPr>
+              <a:t>5 </a:t>
+            </a:r>
+            <a:r>
+              <a:rPr lang="ru-RU" dirty="0">
+                <a:solidFill>
+                  <a:schemeClr val="accent2">
+                    <a:lumMod val="75000"/>
+                  </a:schemeClr>
+                </a:solidFill>
+              </a:rPr>
+              <a:t>элемент</a:t>
+            </a:r>
+            <a:endParaRPr lang="en-US" dirty="0">
+              <a:solidFill>
+                <a:schemeClr val="accent2">
+                  <a:lumMod val="75000"/>
+                </a:schemeClr>
+              </a:solidFill>
+            </a:endParaRPr>
+          </a:p>
+        </p:txBody>
+      </p:sp>
+      <p:sp>
+        <p:nvSpPr>
+          <p:cNvPr id="15" name="Rectangle 14"/>
+          <p:cNvSpPr/>
+          <p:nvPr/>
+        </p:nvSpPr>
+        <p:spPr>
+          <a:xfrm>
+            <a:off x="8542791" y="3800312"/>
+            <a:ext cx="1042737" cy="1042737"/>
+          </a:xfrm>
+          <a:prstGeom prst="rect">
+            <a:avLst/>
+          </a:prstGeom>
+          <a:solidFill>
+            <a:schemeClr val="accent2">
+              <a:lumMod val="20000"/>
+              <a:lumOff val="80000"/>
+            </a:schemeClr>
+          </a:solidFill>
+        </p:spPr>
+        <p:style>
+          <a:lnRef idx="2">
+            <a:schemeClr val="accent2">
+              <a:shade val="50000"/>
+            </a:schemeClr>
+          </a:lnRef>
+          <a:fillRef idx="1">
+            <a:schemeClr val="accent2"/>
+          </a:fillRef>
+          <a:effectRef idx="0">
+            <a:schemeClr val="accent2"/>
+          </a:effectRef>
+          <a:fontRef idx="minor">
+            <a:schemeClr val="lt1"/>
+          </a:fontRef>
+        </p:style>
+        <p:txBody>
+          <a:bodyPr rtlCol="0" anchor="ctr"/>
+          <a:lstStyle/>
+          <a:p>
+            <a:pPr algn="ctr"/>
+            <a:r>
+              <a:rPr lang="ru-RU" dirty="0" smtClean="0">
+                <a:solidFill>
+                  <a:schemeClr val="accent2">
+                    <a:lumMod val="75000"/>
+                  </a:schemeClr>
+                </a:solidFill>
+              </a:rPr>
+              <a:t>6 </a:t>
+            </a:r>
+            <a:r>
+              <a:rPr lang="ru-RU" dirty="0">
+                <a:solidFill>
+                  <a:schemeClr val="accent2">
+                    <a:lumMod val="75000"/>
+                  </a:schemeClr>
+                </a:solidFill>
+              </a:rPr>
+              <a:t>элемент</a:t>
+            </a:r>
+            <a:endParaRPr lang="en-US" dirty="0">
+              <a:solidFill>
+                <a:schemeClr val="accent2">
+                  <a:lumMod val="75000"/>
+                </a:schemeClr>
+              </a:solidFill>
+            </a:endParaRPr>
+          </a:p>
+        </p:txBody>
+      </p:sp>
     </p:spTree>
     <p:extLst>
       <p:ext uri="{BB962C8B-B14F-4D97-AF65-F5344CB8AC3E}">
-        <p14:creationId xmlns:p14="http://schemas.microsoft.com/office/powerpoint/2010/main" val="1270458169"/>
+        <p14:creationId xmlns:p14="http://schemas.microsoft.com/office/powerpoint/2010/main" val="418548512"/>
       </p:ext>
     </p:extLst>
   </p:cSld>
@@ -11111,14 +10353,6 @@
               <a:rPr lang="ru-RU" dirty="0" smtClean="0"/>
               <a:t>Массивы</a:t>
             </a:r>
-            <a:r>
-              <a:rPr lang="en-US" dirty="0" smtClean="0"/>
-              <a:t>::</a:t>
-            </a:r>
-            <a:r>
-              <a:rPr lang="ru-RU" dirty="0" smtClean="0"/>
-              <a:t>Инициализация</a:t>
-            </a:r>
             <a:br>
               <a:rPr lang="ru-RU" dirty="0" smtClean="0"/>
             </a:br>
@@ -11130,6 +10364,321 @@
           </a:p>
         </p:txBody>
       </p:sp>
+      <p:grpSp>
+        <p:nvGrpSpPr>
+          <p:cNvPr id="39" name="Group 38"/>
+          <p:cNvGrpSpPr/>
+          <p:nvPr/>
+        </p:nvGrpSpPr>
+        <p:grpSpPr>
+          <a:xfrm>
+            <a:off x="1144333" y="2877805"/>
+            <a:ext cx="5126180" cy="1025236"/>
+            <a:chOff x="969820" y="1502688"/>
+            <a:chExt cx="5126180" cy="1025236"/>
+          </a:xfrm>
+        </p:grpSpPr>
+        <p:sp>
+          <p:nvSpPr>
+            <p:cNvPr id="10" name="Rectangle 9"/>
+            <p:cNvSpPr/>
+            <p:nvPr/>
+          </p:nvSpPr>
+          <p:spPr>
+            <a:xfrm>
+              <a:off x="969820" y="1502688"/>
+              <a:ext cx="1025236" cy="1025236"/>
+            </a:xfrm>
+            <a:prstGeom prst="rect">
+              <a:avLst/>
+            </a:prstGeom>
+            <a:solidFill>
+              <a:srgbClr val="FBEDDC"/>
+            </a:solidFill>
+          </p:spPr>
+          <p:style>
+            <a:lnRef idx="2">
+              <a:schemeClr val="accent2">
+                <a:shade val="50000"/>
+              </a:schemeClr>
+            </a:lnRef>
+            <a:fillRef idx="1">
+              <a:schemeClr val="accent2"/>
+            </a:fillRef>
+            <a:effectRef idx="0">
+              <a:schemeClr val="accent2"/>
+            </a:effectRef>
+            <a:fontRef idx="minor">
+              <a:schemeClr val="lt1"/>
+            </a:fontRef>
+          </p:style>
+          <p:txBody>
+            <a:bodyPr rtlCol="0" anchor="ctr"/>
+            <a:lstStyle/>
+            <a:p>
+              <a:pPr algn="ctr"/>
+              <a:r>
+                <a:rPr lang="en-US" dirty="0" err="1" smtClean="0">
+                  <a:solidFill>
+                    <a:schemeClr val="accent2"/>
+                  </a:solidFill>
+                </a:rPr>
+                <a:t>freq</a:t>
+              </a:r>
+              <a:r>
+                <a:rPr lang="en-US" dirty="0" smtClean="0">
+                  <a:solidFill>
+                    <a:schemeClr val="accent2"/>
+                  </a:solidFill>
+                </a:rPr>
+                <a:t>[0]</a:t>
+              </a:r>
+            </a:p>
+            <a:p>
+              <a:pPr algn="ctr"/>
+              <a:r>
+                <a:rPr lang="en-US" dirty="0" smtClean="0">
+                  <a:solidFill>
+                    <a:schemeClr val="accent2"/>
+                  </a:solidFill>
+                </a:rPr>
+                <a:t>15</a:t>
+              </a:r>
+              <a:endParaRPr lang="en-US" dirty="0">
+                <a:solidFill>
+                  <a:schemeClr val="accent2"/>
+                </a:solidFill>
+              </a:endParaRPr>
+            </a:p>
+          </p:txBody>
+        </p:sp>
+        <p:sp>
+          <p:nvSpPr>
+            <p:cNvPr id="11" name="Rectangle 10"/>
+            <p:cNvSpPr/>
+            <p:nvPr/>
+          </p:nvSpPr>
+          <p:spPr>
+            <a:xfrm>
+              <a:off x="1995056" y="1502688"/>
+              <a:ext cx="1025236" cy="1025236"/>
+            </a:xfrm>
+            <a:prstGeom prst="rect">
+              <a:avLst/>
+            </a:prstGeom>
+            <a:solidFill>
+              <a:srgbClr val="FBEDDC"/>
+            </a:solidFill>
+          </p:spPr>
+          <p:style>
+            <a:lnRef idx="2">
+              <a:schemeClr val="accent2">
+                <a:shade val="50000"/>
+              </a:schemeClr>
+            </a:lnRef>
+            <a:fillRef idx="1">
+              <a:schemeClr val="accent2"/>
+            </a:fillRef>
+            <a:effectRef idx="0">
+              <a:schemeClr val="accent2"/>
+            </a:effectRef>
+            <a:fontRef idx="minor">
+              <a:schemeClr val="lt1"/>
+            </a:fontRef>
+          </p:style>
+          <p:txBody>
+            <a:bodyPr rtlCol="0" anchor="ctr"/>
+            <a:lstStyle/>
+            <a:p>
+              <a:pPr algn="ctr"/>
+              <a:r>
+                <a:rPr lang="en-US" dirty="0" err="1" smtClean="0">
+                  <a:solidFill>
+                    <a:schemeClr val="accent2"/>
+                  </a:solidFill>
+                </a:rPr>
+                <a:t>freq</a:t>
+              </a:r>
+              <a:r>
+                <a:rPr lang="en-US" dirty="0" smtClean="0">
+                  <a:solidFill>
+                    <a:schemeClr val="accent2"/>
+                  </a:solidFill>
+                </a:rPr>
+                <a:t>[1]</a:t>
+              </a:r>
+            </a:p>
+            <a:p>
+              <a:pPr algn="ctr"/>
+              <a:r>
+                <a:rPr lang="en-US" dirty="0" smtClean="0">
+                  <a:solidFill>
+                    <a:schemeClr val="accent2"/>
+                  </a:solidFill>
+                </a:rPr>
+                <a:t>3</a:t>
+              </a:r>
+              <a:endParaRPr lang="en-US" dirty="0"/>
+            </a:p>
+          </p:txBody>
+        </p:sp>
+        <p:sp>
+          <p:nvSpPr>
+            <p:cNvPr id="12" name="Rectangle 11"/>
+            <p:cNvSpPr/>
+            <p:nvPr/>
+          </p:nvSpPr>
+          <p:spPr>
+            <a:xfrm>
+              <a:off x="3020292" y="1502688"/>
+              <a:ext cx="1025236" cy="1025236"/>
+            </a:xfrm>
+            <a:prstGeom prst="rect">
+              <a:avLst/>
+            </a:prstGeom>
+            <a:solidFill>
+              <a:srgbClr val="FBEDDC"/>
+            </a:solidFill>
+          </p:spPr>
+          <p:style>
+            <a:lnRef idx="2">
+              <a:schemeClr val="accent2">
+                <a:shade val="50000"/>
+              </a:schemeClr>
+            </a:lnRef>
+            <a:fillRef idx="1">
+              <a:schemeClr val="accent2"/>
+            </a:fillRef>
+            <a:effectRef idx="0">
+              <a:schemeClr val="accent2"/>
+            </a:effectRef>
+            <a:fontRef idx="minor">
+              <a:schemeClr val="lt1"/>
+            </a:fontRef>
+          </p:style>
+          <p:txBody>
+            <a:bodyPr rtlCol="0" anchor="ctr"/>
+            <a:lstStyle/>
+            <a:p>
+              <a:pPr algn="ctr"/>
+              <a:r>
+                <a:rPr lang="en-US" dirty="0" err="1" smtClean="0">
+                  <a:solidFill>
+                    <a:schemeClr val="accent2"/>
+                  </a:solidFill>
+                </a:rPr>
+                <a:t>freq</a:t>
+              </a:r>
+              <a:r>
+                <a:rPr lang="en-US" dirty="0" smtClean="0">
+                  <a:solidFill>
+                    <a:schemeClr val="accent2"/>
+                  </a:solidFill>
+                </a:rPr>
+                <a:t>[2]</a:t>
+              </a:r>
+            </a:p>
+            <a:p>
+              <a:pPr algn="ctr"/>
+              <a:r>
+                <a:rPr lang="en-US" dirty="0">
+                  <a:solidFill>
+                    <a:schemeClr val="accent2"/>
+                  </a:solidFill>
+                </a:rPr>
+                <a:t>8</a:t>
+              </a:r>
+              <a:endParaRPr lang="en-US" dirty="0"/>
+            </a:p>
+          </p:txBody>
+        </p:sp>
+        <p:sp>
+          <p:nvSpPr>
+            <p:cNvPr id="14" name="Rectangle 13"/>
+            <p:cNvSpPr/>
+            <p:nvPr/>
+          </p:nvSpPr>
+          <p:spPr>
+            <a:xfrm>
+              <a:off x="5070764" y="1502688"/>
+              <a:ext cx="1025236" cy="1025236"/>
+            </a:xfrm>
+            <a:prstGeom prst="rect">
+              <a:avLst/>
+            </a:prstGeom>
+            <a:solidFill>
+              <a:srgbClr val="FBEDDC"/>
+            </a:solidFill>
+          </p:spPr>
+          <p:style>
+            <a:lnRef idx="2">
+              <a:schemeClr val="accent2">
+                <a:shade val="50000"/>
+              </a:schemeClr>
+            </a:lnRef>
+            <a:fillRef idx="1">
+              <a:schemeClr val="accent2"/>
+            </a:fillRef>
+            <a:effectRef idx="0">
+              <a:schemeClr val="accent2"/>
+            </a:effectRef>
+            <a:fontRef idx="minor">
+              <a:schemeClr val="lt1"/>
+            </a:fontRef>
+          </p:style>
+          <p:txBody>
+            <a:bodyPr rtlCol="0" anchor="ctr"/>
+            <a:lstStyle/>
+            <a:p>
+              <a:pPr algn="ctr"/>
+              <a:r>
+                <a:rPr lang="en-US" dirty="0" err="1" smtClean="0">
+                  <a:solidFill>
+                    <a:schemeClr val="accent2"/>
+                  </a:solidFill>
+                </a:rPr>
+                <a:t>freq</a:t>
+              </a:r>
+              <a:r>
+                <a:rPr lang="en-US" dirty="0" smtClean="0">
+                  <a:solidFill>
+                    <a:schemeClr val="accent2"/>
+                  </a:solidFill>
+                </a:rPr>
+                <a:t>[2</a:t>
+              </a:r>
+              <a:r>
+                <a:rPr lang="ru-RU" dirty="0" smtClean="0">
+                  <a:solidFill>
+                    <a:schemeClr val="accent2"/>
+                  </a:solidFill>
+                </a:rPr>
+                <a:t>6</a:t>
+              </a:r>
+              <a:r>
+                <a:rPr lang="en-US" dirty="0" smtClean="0">
+                  <a:solidFill>
+                    <a:schemeClr val="accent2"/>
+                  </a:solidFill>
+                </a:rPr>
+                <a:t>]</a:t>
+              </a:r>
+            </a:p>
+            <a:p>
+              <a:pPr algn="ctr"/>
+              <a:r>
+                <a:rPr lang="ru-RU" dirty="0">
+                  <a:solidFill>
+                    <a:schemeClr val="accent2"/>
+                  </a:solidFill>
+                </a:rPr>
+                <a:t>1</a:t>
+              </a:r>
+              <a:endParaRPr lang="en-US" dirty="0"/>
+            </a:p>
+          </p:txBody>
+        </p:sp>
+      </p:grpSp>
       <p:sp>
         <p:nvSpPr>
           <p:cNvPr id="19" name="TextBox 18"/>
@@ -11138,8 +10687,621 @@
         </p:nvSpPr>
         <p:spPr>
           <a:xfrm>
-            <a:off x="3103173" y="2361443"/>
-            <a:ext cx="7576113" cy="3416320"/>
+            <a:off x="7020723" y="2844921"/>
+            <a:ext cx="5171277" cy="2308324"/>
+          </a:xfrm>
+          <a:prstGeom prst="rect">
+            <a:avLst/>
+          </a:prstGeom>
+          <a:noFill/>
+        </p:spPr>
+        <p:txBody>
+          <a:bodyPr wrap="square" rtlCol="0">
+            <a:spAutoFit/>
+          </a:bodyPr>
+          <a:lstStyle/>
+          <a:p>
+            <a:r>
+              <a:rPr lang="en-US" dirty="0" err="1" smtClean="0">
+                <a:solidFill>
+                  <a:schemeClr val="accent2">
+                    <a:lumMod val="75000"/>
+                  </a:schemeClr>
+                </a:solidFill>
+                <a:latin typeface="Lucida Console" charset="0"/>
+                <a:ea typeface="Lucida Console" charset="0"/>
+                <a:cs typeface="Lucida Console" charset="0"/>
+              </a:rPr>
+              <a:t>int</a:t>
+            </a:r>
+            <a:r>
+              <a:rPr lang="en-US" dirty="0" smtClean="0">
+                <a:solidFill>
+                  <a:schemeClr val="accent2">
+                    <a:lumMod val="75000"/>
+                  </a:schemeClr>
+                </a:solidFill>
+                <a:latin typeface="Lucida Console" charset="0"/>
+                <a:ea typeface="Lucida Console" charset="0"/>
+                <a:cs typeface="Lucida Console" charset="0"/>
+              </a:rPr>
+              <a:t> </a:t>
+            </a:r>
+            <a:r>
+              <a:rPr lang="en-US" dirty="0" err="1" smtClean="0">
+                <a:latin typeface="Lucida Console" charset="0"/>
+                <a:ea typeface="Lucida Console" charset="0"/>
+                <a:cs typeface="Lucida Console" charset="0"/>
+              </a:rPr>
+              <a:t>freq</a:t>
+            </a:r>
+            <a:r>
+              <a:rPr lang="en-US" dirty="0" smtClean="0">
+                <a:latin typeface="Lucida Console" charset="0"/>
+                <a:ea typeface="Lucida Console" charset="0"/>
+                <a:cs typeface="Lucida Console" charset="0"/>
+              </a:rPr>
+              <a:t>[2</a:t>
+            </a:r>
+            <a:r>
+              <a:rPr lang="ru-RU" dirty="0" smtClean="0">
+                <a:latin typeface="Lucida Console" charset="0"/>
+                <a:ea typeface="Lucida Console" charset="0"/>
+                <a:cs typeface="Lucida Console" charset="0"/>
+              </a:rPr>
+              <a:t>6</a:t>
+            </a:r>
+            <a:r>
+              <a:rPr lang="en-US" dirty="0" smtClean="0">
+                <a:latin typeface="Lucida Console" charset="0"/>
+                <a:ea typeface="Lucida Console" charset="0"/>
+                <a:cs typeface="Lucida Console" charset="0"/>
+              </a:rPr>
+              <a:t>]</a:t>
+            </a:r>
+            <a:r>
+              <a:rPr lang="ru-RU" dirty="0" smtClean="0">
+                <a:latin typeface="Lucida Console" charset="0"/>
+                <a:ea typeface="Lucida Console" charset="0"/>
+                <a:cs typeface="Lucida Console" charset="0"/>
+              </a:rPr>
+              <a:t> = </a:t>
+            </a:r>
+            <a:r>
+              <a:rPr lang="en-US" dirty="0" smtClean="0">
+                <a:latin typeface="Lucida Console" charset="0"/>
+                <a:ea typeface="Lucida Console" charset="0"/>
+                <a:cs typeface="Lucida Console" charset="0"/>
+              </a:rPr>
+              <a:t>{};</a:t>
+            </a:r>
+          </a:p>
+          <a:p>
+            <a:r>
+              <a:rPr lang="en-US" dirty="0">
+                <a:solidFill>
+                  <a:schemeClr val="accent2">
+                    <a:lumMod val="75000"/>
+                  </a:schemeClr>
+                </a:solidFill>
+                <a:latin typeface="Lucida Console" charset="0"/>
+                <a:ea typeface="Lucida Console" charset="0"/>
+                <a:cs typeface="Lucida Console" charset="0"/>
+              </a:rPr>
+              <a:t>w</a:t>
+            </a:r>
+            <a:r>
+              <a:rPr lang="en-US" dirty="0" smtClean="0">
+                <a:solidFill>
+                  <a:schemeClr val="accent2">
+                    <a:lumMod val="75000"/>
+                  </a:schemeClr>
+                </a:solidFill>
+                <a:latin typeface="Lucida Console" charset="0"/>
+                <a:ea typeface="Lucida Console" charset="0"/>
+                <a:cs typeface="Lucida Console" charset="0"/>
+              </a:rPr>
+              <a:t>hile </a:t>
+            </a:r>
+            <a:r>
+              <a:rPr lang="en-US" dirty="0" smtClean="0">
+                <a:latin typeface="Lucida Console" charset="0"/>
+                <a:ea typeface="Lucida Console" charset="0"/>
+                <a:cs typeface="Lucida Console" charset="0"/>
+              </a:rPr>
+              <a:t>(1) </a:t>
+            </a:r>
+            <a:r>
+              <a:rPr lang="en-US" dirty="0" smtClean="0">
+                <a:latin typeface="Lucida Console" charset="0"/>
+                <a:ea typeface="Lucida Console" charset="0"/>
+                <a:cs typeface="Lucida Console" charset="0"/>
+              </a:rPr>
+              <a:t>{</a:t>
+            </a:r>
+          </a:p>
+          <a:p>
+            <a:r>
+              <a:rPr lang="en-US" dirty="0">
+                <a:latin typeface="Lucida Console" charset="0"/>
+                <a:ea typeface="Lucida Console" charset="0"/>
+                <a:cs typeface="Lucida Console" charset="0"/>
+              </a:rPr>
+              <a:t> </a:t>
+            </a:r>
+            <a:r>
+              <a:rPr lang="en-US" dirty="0" smtClean="0">
+                <a:latin typeface="Lucida Console" charset="0"/>
+                <a:ea typeface="Lucida Console" charset="0"/>
+                <a:cs typeface="Lucida Console" charset="0"/>
+              </a:rPr>
+              <a:t>   </a:t>
+            </a:r>
+            <a:r>
+              <a:rPr lang="en-US" dirty="0" err="1" smtClean="0">
+                <a:solidFill>
+                  <a:schemeClr val="accent2">
+                    <a:lumMod val="75000"/>
+                  </a:schemeClr>
+                </a:solidFill>
+                <a:latin typeface="Lucida Console" charset="0"/>
+                <a:ea typeface="Lucida Console" charset="0"/>
+                <a:cs typeface="Lucida Console" charset="0"/>
+              </a:rPr>
+              <a:t>int</a:t>
+            </a:r>
+            <a:r>
+              <a:rPr lang="en-US" dirty="0" smtClean="0">
+                <a:solidFill>
+                  <a:schemeClr val="accent2">
+                    <a:lumMod val="75000"/>
+                  </a:schemeClr>
+                </a:solidFill>
+                <a:latin typeface="Lucida Console" charset="0"/>
+                <a:ea typeface="Lucida Console" charset="0"/>
+                <a:cs typeface="Lucida Console" charset="0"/>
+              </a:rPr>
+              <a:t> </a:t>
+            </a:r>
+            <a:r>
+              <a:rPr lang="en-US" dirty="0" err="1" smtClean="0">
+                <a:latin typeface="Lucida Console" charset="0"/>
+                <a:ea typeface="Lucida Console" charset="0"/>
+                <a:cs typeface="Lucida Console" charset="0"/>
+              </a:rPr>
+              <a:t>ch</a:t>
+            </a:r>
+            <a:r>
+              <a:rPr lang="en-US" dirty="0" smtClean="0">
+                <a:latin typeface="Lucida Console" charset="0"/>
+                <a:ea typeface="Lucida Console" charset="0"/>
+                <a:cs typeface="Lucida Console" charset="0"/>
+              </a:rPr>
+              <a:t> = </a:t>
+            </a:r>
+            <a:r>
+              <a:rPr lang="en-US" dirty="0" err="1" smtClean="0">
+                <a:latin typeface="Lucida Console" charset="0"/>
+                <a:ea typeface="Lucida Console" charset="0"/>
+                <a:cs typeface="Lucida Console" charset="0"/>
+              </a:rPr>
+              <a:t>getchar</a:t>
+            </a:r>
+            <a:r>
+              <a:rPr lang="en-US" dirty="0" smtClean="0">
+                <a:latin typeface="Lucida Console" charset="0"/>
+                <a:ea typeface="Lucida Console" charset="0"/>
+                <a:cs typeface="Lucida Console" charset="0"/>
+              </a:rPr>
+              <a:t>();</a:t>
+            </a:r>
+          </a:p>
+          <a:p>
+            <a:r>
+              <a:rPr lang="en-US" dirty="0">
+                <a:latin typeface="Lucida Console" charset="0"/>
+                <a:ea typeface="Lucida Console" charset="0"/>
+                <a:cs typeface="Lucida Console" charset="0"/>
+              </a:rPr>
+              <a:t> </a:t>
+            </a:r>
+            <a:r>
+              <a:rPr lang="en-US" dirty="0" smtClean="0">
+                <a:latin typeface="Lucida Console" charset="0"/>
+                <a:ea typeface="Lucida Console" charset="0"/>
+                <a:cs typeface="Lucida Console" charset="0"/>
+              </a:rPr>
+              <a:t>   </a:t>
+            </a:r>
+            <a:r>
+              <a:rPr lang="en-US" dirty="0" smtClean="0">
+                <a:solidFill>
+                  <a:schemeClr val="accent2">
+                    <a:lumMod val="75000"/>
+                  </a:schemeClr>
+                </a:solidFill>
+                <a:latin typeface="Lucida Console" charset="0"/>
+                <a:ea typeface="Lucida Console" charset="0"/>
+                <a:cs typeface="Lucida Console" charset="0"/>
+              </a:rPr>
+              <a:t>if</a:t>
+            </a:r>
+            <a:r>
+              <a:rPr lang="en-US" dirty="0" smtClean="0">
+                <a:latin typeface="Lucida Console" charset="0"/>
+                <a:ea typeface="Lucida Console" charset="0"/>
+                <a:cs typeface="Lucida Console" charset="0"/>
+              </a:rPr>
+              <a:t> (’a’ &gt; </a:t>
+            </a:r>
+            <a:r>
+              <a:rPr lang="en-US" dirty="0" err="1" smtClean="0">
+                <a:latin typeface="Lucida Console" charset="0"/>
+                <a:ea typeface="Lucida Console" charset="0"/>
+                <a:cs typeface="Lucida Console" charset="0"/>
+              </a:rPr>
+              <a:t>ch</a:t>
+            </a:r>
+            <a:r>
+              <a:rPr lang="en-US" dirty="0">
+                <a:latin typeface="Lucida Console" charset="0"/>
+                <a:ea typeface="Lucida Console" charset="0"/>
+                <a:cs typeface="Lucida Console" charset="0"/>
+              </a:rPr>
+              <a:t> </a:t>
+            </a:r>
+            <a:r>
+              <a:rPr lang="en-US" dirty="0" smtClean="0">
+                <a:latin typeface="Lucida Console" charset="0"/>
+                <a:ea typeface="Lucida Console" charset="0"/>
+                <a:cs typeface="Lucida Console" charset="0"/>
+              </a:rPr>
+              <a:t>|| </a:t>
+            </a:r>
+            <a:r>
+              <a:rPr lang="en-US" dirty="0" err="1" smtClean="0">
+                <a:latin typeface="Lucida Console" charset="0"/>
+                <a:ea typeface="Lucida Console" charset="0"/>
+                <a:cs typeface="Lucida Console" charset="0"/>
+              </a:rPr>
+              <a:t>ch</a:t>
+            </a:r>
+            <a:r>
+              <a:rPr lang="en-US" dirty="0" smtClean="0">
+                <a:latin typeface="Lucida Console" charset="0"/>
+                <a:ea typeface="Lucida Console" charset="0"/>
+                <a:cs typeface="Lucida Console" charset="0"/>
+              </a:rPr>
+              <a:t> &lt; ‘z’) </a:t>
+            </a:r>
+          </a:p>
+          <a:p>
+            <a:r>
+              <a:rPr lang="en-US" dirty="0">
+                <a:latin typeface="Lucida Console" charset="0"/>
+                <a:ea typeface="Lucida Console" charset="0"/>
+                <a:cs typeface="Lucida Console" charset="0"/>
+              </a:rPr>
+              <a:t> </a:t>
+            </a:r>
+            <a:r>
+              <a:rPr lang="en-US" dirty="0" smtClean="0">
+                <a:latin typeface="Lucida Console" charset="0"/>
+                <a:ea typeface="Lucida Console" charset="0"/>
+                <a:cs typeface="Lucida Console" charset="0"/>
+              </a:rPr>
+              <a:t>       </a:t>
+            </a:r>
+            <a:r>
+              <a:rPr lang="en-US" dirty="0" smtClean="0">
+                <a:solidFill>
+                  <a:schemeClr val="accent2">
+                    <a:lumMod val="75000"/>
+                  </a:schemeClr>
+                </a:solidFill>
+                <a:latin typeface="Lucida Console" charset="0"/>
+                <a:ea typeface="Lucida Console" charset="0"/>
+                <a:cs typeface="Lucida Console" charset="0"/>
+              </a:rPr>
+              <a:t>return</a:t>
+            </a:r>
+            <a:r>
+              <a:rPr lang="en-US" dirty="0" smtClean="0">
+                <a:latin typeface="Lucida Console" charset="0"/>
+                <a:ea typeface="Lucida Console" charset="0"/>
+                <a:cs typeface="Lucida Console" charset="0"/>
+              </a:rPr>
+              <a:t> 0;</a:t>
+            </a:r>
+          </a:p>
+          <a:p>
+            <a:r>
+              <a:rPr lang="en-US" dirty="0">
+                <a:latin typeface="Lucida Console" charset="0"/>
+                <a:ea typeface="Lucida Console" charset="0"/>
+                <a:cs typeface="Lucida Console" charset="0"/>
+              </a:rPr>
+              <a:t> </a:t>
+            </a:r>
+            <a:r>
+              <a:rPr lang="en-US" dirty="0" smtClean="0">
+                <a:latin typeface="Lucida Console" charset="0"/>
+                <a:ea typeface="Lucida Console" charset="0"/>
+                <a:cs typeface="Lucida Console" charset="0"/>
+              </a:rPr>
+              <a:t>   </a:t>
+            </a:r>
+            <a:r>
+              <a:rPr lang="en-US" dirty="0" err="1" smtClean="0">
+                <a:solidFill>
+                  <a:schemeClr val="accent2">
+                    <a:lumMod val="75000"/>
+                  </a:schemeClr>
+                </a:solidFill>
+                <a:latin typeface="Lucida Console" charset="0"/>
+                <a:ea typeface="Lucida Console" charset="0"/>
+                <a:cs typeface="Lucida Console" charset="0"/>
+              </a:rPr>
+              <a:t>int</a:t>
+            </a:r>
+            <a:r>
+              <a:rPr lang="en-US" dirty="0" smtClean="0">
+                <a:solidFill>
+                  <a:schemeClr val="accent2">
+                    <a:lumMod val="75000"/>
+                  </a:schemeClr>
+                </a:solidFill>
+                <a:latin typeface="Lucida Console" charset="0"/>
+                <a:ea typeface="Lucida Console" charset="0"/>
+                <a:cs typeface="Lucida Console" charset="0"/>
+              </a:rPr>
+              <a:t> </a:t>
+            </a:r>
+            <a:r>
+              <a:rPr lang="en-US" dirty="0" err="1" smtClean="0">
+                <a:latin typeface="Lucida Console" charset="0"/>
+                <a:ea typeface="Lucida Console" charset="0"/>
+                <a:cs typeface="Lucida Console" charset="0"/>
+              </a:rPr>
+              <a:t>idx</a:t>
+            </a:r>
+            <a:r>
+              <a:rPr lang="en-US" dirty="0" smtClean="0">
+                <a:latin typeface="Lucida Console" charset="0"/>
+                <a:ea typeface="Lucida Console" charset="0"/>
+                <a:cs typeface="Lucida Console" charset="0"/>
+              </a:rPr>
+              <a:t> = ‘a’ – </a:t>
+            </a:r>
+            <a:r>
+              <a:rPr lang="en-US" dirty="0" err="1" smtClean="0">
+                <a:latin typeface="Lucida Console" charset="0"/>
+                <a:ea typeface="Lucida Console" charset="0"/>
+                <a:cs typeface="Lucida Console" charset="0"/>
+              </a:rPr>
+              <a:t>ch</a:t>
+            </a:r>
+            <a:r>
+              <a:rPr lang="en-US" dirty="0" smtClean="0">
+                <a:latin typeface="Lucida Console" charset="0"/>
+                <a:ea typeface="Lucida Console" charset="0"/>
+                <a:cs typeface="Lucida Console" charset="0"/>
+              </a:rPr>
+              <a:t>; </a:t>
+            </a:r>
+          </a:p>
+          <a:p>
+            <a:r>
+              <a:rPr lang="en-US" dirty="0">
+                <a:latin typeface="Lucida Console" charset="0"/>
+                <a:ea typeface="Lucida Console" charset="0"/>
+                <a:cs typeface="Lucida Console" charset="0"/>
+              </a:rPr>
+              <a:t> </a:t>
+            </a:r>
+            <a:r>
+              <a:rPr lang="en-US" dirty="0" smtClean="0">
+                <a:latin typeface="Lucida Console" charset="0"/>
+                <a:ea typeface="Lucida Console" charset="0"/>
+                <a:cs typeface="Lucida Console" charset="0"/>
+              </a:rPr>
+              <a:t>   </a:t>
+            </a:r>
+            <a:r>
+              <a:rPr lang="en-US" dirty="0" err="1" smtClean="0">
+                <a:latin typeface="Lucida Console" charset="0"/>
+                <a:ea typeface="Lucida Console" charset="0"/>
+                <a:cs typeface="Lucida Console" charset="0"/>
+              </a:rPr>
+              <a:t>freq</a:t>
+            </a:r>
+            <a:r>
+              <a:rPr lang="en-US" dirty="0" smtClean="0">
+                <a:latin typeface="Lucida Console" charset="0"/>
+                <a:ea typeface="Lucida Console" charset="0"/>
+                <a:cs typeface="Lucida Console" charset="0"/>
+              </a:rPr>
+              <a:t>[</a:t>
+            </a:r>
+            <a:r>
+              <a:rPr lang="en-US" dirty="0" err="1" smtClean="0">
+                <a:latin typeface="Lucida Console" charset="0"/>
+                <a:ea typeface="Lucida Console" charset="0"/>
+                <a:cs typeface="Lucida Console" charset="0"/>
+              </a:rPr>
+              <a:t>idx</a:t>
+            </a:r>
+            <a:r>
+              <a:rPr lang="en-US" dirty="0" smtClean="0">
+                <a:latin typeface="Lucida Console" charset="0"/>
+                <a:ea typeface="Lucida Console" charset="0"/>
+                <a:cs typeface="Lucida Console" charset="0"/>
+              </a:rPr>
+              <a:t>]++;</a:t>
+            </a:r>
+          </a:p>
+          <a:p>
+            <a:r>
+              <a:rPr lang="en-US" dirty="0" smtClean="0">
+                <a:latin typeface="Lucida Console" charset="0"/>
+                <a:ea typeface="Lucida Console" charset="0"/>
+                <a:cs typeface="Lucida Console" charset="0"/>
+              </a:rPr>
+              <a:t>}</a:t>
+            </a:r>
+            <a:endParaRPr lang="en-US" dirty="0">
+              <a:latin typeface="Lucida Console" charset="0"/>
+              <a:ea typeface="Lucida Console" charset="0"/>
+              <a:cs typeface="Lucida Console" charset="0"/>
+            </a:endParaRPr>
+          </a:p>
+        </p:txBody>
+      </p:sp>
+      <p:sp>
+        <p:nvSpPr>
+          <p:cNvPr id="62" name="Right Brace 61"/>
+          <p:cNvSpPr/>
+          <p:nvPr/>
+        </p:nvSpPr>
+        <p:spPr>
+          <a:xfrm rot="5400000">
+            <a:off x="2521782" y="3565823"/>
+            <a:ext cx="320810" cy="1025236"/>
+          </a:xfrm>
+          <a:prstGeom prst="rightBrace">
+            <a:avLst>
+              <a:gd name="adj1" fmla="val 8333"/>
+              <a:gd name="adj2" fmla="val 51351"/>
+            </a:avLst>
+          </a:prstGeom>
+        </p:spPr>
+        <p:style>
+          <a:lnRef idx="1">
+            <a:schemeClr val="accent2"/>
+          </a:lnRef>
+          <a:fillRef idx="0">
+            <a:schemeClr val="accent2"/>
+          </a:fillRef>
+          <a:effectRef idx="0">
+            <a:schemeClr val="accent2"/>
+          </a:effectRef>
+          <a:fontRef idx="minor">
+            <a:schemeClr val="tx1"/>
+          </a:fontRef>
+        </p:style>
+        <p:txBody>
+          <a:bodyPr rtlCol="0" anchor="ctr"/>
+          <a:lstStyle/>
+          <a:p>
+            <a:pPr algn="ctr"/>
+            <a:endParaRPr lang="en-US"/>
+          </a:p>
+        </p:txBody>
+      </p:sp>
+      <p:cxnSp>
+        <p:nvCxnSpPr>
+          <p:cNvPr id="85" name="Straight Connector 84"/>
+          <p:cNvCxnSpPr/>
+          <p:nvPr/>
+        </p:nvCxnSpPr>
+        <p:spPr>
+          <a:xfrm>
+            <a:off x="1144333" y="3903041"/>
+            <a:ext cx="0" cy="1250204"/>
+          </a:xfrm>
+          <a:prstGeom prst="line">
+            <a:avLst/>
+          </a:prstGeom>
+        </p:spPr>
+        <p:style>
+          <a:lnRef idx="1">
+            <a:schemeClr val="accent2"/>
+          </a:lnRef>
+          <a:fillRef idx="0">
+            <a:schemeClr val="accent2"/>
+          </a:fillRef>
+          <a:effectRef idx="0">
+            <a:schemeClr val="accent2"/>
+          </a:effectRef>
+          <a:fontRef idx="minor">
+            <a:schemeClr val="tx1"/>
+          </a:fontRef>
+        </p:style>
+      </p:cxnSp>
+      <p:cxnSp>
+        <p:nvCxnSpPr>
+          <p:cNvPr id="86" name="Straight Connector 85"/>
+          <p:cNvCxnSpPr/>
+          <p:nvPr/>
+        </p:nvCxnSpPr>
+        <p:spPr>
+          <a:xfrm>
+            <a:off x="6270513" y="3903041"/>
+            <a:ext cx="0" cy="1250204"/>
+          </a:xfrm>
+          <a:prstGeom prst="line">
+            <a:avLst/>
+          </a:prstGeom>
+        </p:spPr>
+        <p:style>
+          <a:lnRef idx="1">
+            <a:schemeClr val="accent2"/>
+          </a:lnRef>
+          <a:fillRef idx="0">
+            <a:schemeClr val="accent2"/>
+          </a:fillRef>
+          <a:effectRef idx="0">
+            <a:schemeClr val="accent2"/>
+          </a:effectRef>
+          <a:fontRef idx="minor">
+            <a:schemeClr val="tx1"/>
+          </a:fontRef>
+        </p:style>
+      </p:cxnSp>
+      <p:cxnSp>
+        <p:nvCxnSpPr>
+          <p:cNvPr id="88" name="Straight Arrow Connector 87"/>
+          <p:cNvCxnSpPr/>
+          <p:nvPr/>
+        </p:nvCxnSpPr>
+        <p:spPr>
+          <a:xfrm>
+            <a:off x="1144333" y="4931572"/>
+            <a:ext cx="5126180" cy="13855"/>
+          </a:xfrm>
+          <a:prstGeom prst="straightConnector1">
+            <a:avLst/>
+          </a:prstGeom>
+          <a:ln>
+            <a:headEnd type="triangle"/>
+            <a:tailEnd type="triangle"/>
+          </a:ln>
+        </p:spPr>
+        <p:style>
+          <a:lnRef idx="1">
+            <a:schemeClr val="accent2"/>
+          </a:lnRef>
+          <a:fillRef idx="0">
+            <a:schemeClr val="accent2"/>
+          </a:fillRef>
+          <a:effectRef idx="0">
+            <a:schemeClr val="accent2"/>
+          </a:effectRef>
+          <a:fontRef idx="minor">
+            <a:schemeClr val="tx1"/>
+          </a:fontRef>
+        </p:style>
+      </p:cxnSp>
+      <p:sp>
+        <p:nvSpPr>
+          <p:cNvPr id="90" name="TextBox 89"/>
+          <p:cNvSpPr txBox="1"/>
+          <p:nvPr/>
+        </p:nvSpPr>
+        <p:spPr>
+          <a:xfrm>
+            <a:off x="2058849" y="4220192"/>
+            <a:ext cx="1207382" cy="276999"/>
           </a:xfrm>
           <a:prstGeom prst="rect">
             <a:avLst/>
@@ -11153,40 +11315,7 @@
           <a:lstStyle/>
           <a:p>
             <a:r>
-              <a:rPr lang="en-US" dirty="0" smtClean="0">
-                <a:latin typeface="Lucida Console" charset="0"/>
-                <a:ea typeface="Lucida Console" charset="0"/>
-                <a:cs typeface="Lucida Console" charset="0"/>
-              </a:rPr>
-              <a:t>#include &lt;</a:t>
-            </a:r>
-            <a:r>
-              <a:rPr lang="en-US" dirty="0" err="1" smtClean="0">
-                <a:latin typeface="Lucida Console" charset="0"/>
-                <a:ea typeface="Lucida Console" charset="0"/>
-                <a:cs typeface="Lucida Console" charset="0"/>
-              </a:rPr>
-              <a:t>stdio.h</a:t>
-            </a:r>
-            <a:r>
-              <a:rPr lang="en-US" dirty="0" smtClean="0">
-                <a:latin typeface="Lucida Console" charset="0"/>
-                <a:ea typeface="Lucida Console" charset="0"/>
-                <a:cs typeface="Lucida Console" charset="0"/>
-              </a:rPr>
-              <a:t>&gt;</a:t>
-            </a:r>
-          </a:p>
-          <a:p>
-            <a:endParaRPr lang="en-US" dirty="0" smtClean="0">
-              <a:latin typeface="Lucida Console" charset="0"/>
-              <a:ea typeface="Lucida Console" charset="0"/>
-              <a:cs typeface="Lucida Console" charset="0"/>
-            </a:endParaRPr>
-          </a:p>
-          <a:p>
-            <a:r>
-              <a:rPr lang="en-US" dirty="0" err="1" smtClean="0">
+              <a:rPr lang="en-US" sz="1200" dirty="0" err="1" smtClean="0">
                 <a:solidFill>
                   <a:schemeClr val="accent2">
                     <a:lumMod val="75000"/>
@@ -11196,8 +11325,258 @@
                 <a:ea typeface="Lucida Console" charset="0"/>
                 <a:cs typeface="Lucida Console" charset="0"/>
               </a:rPr>
+              <a:t>sizeof</a:t>
+            </a:r>
+            <a:r>
+              <a:rPr lang="en-US" sz="1200" dirty="0" smtClean="0">
+                <a:solidFill>
+                  <a:schemeClr val="accent2">
+                    <a:lumMod val="75000"/>
+                  </a:schemeClr>
+                </a:solidFill>
+                <a:latin typeface="Lucida Console" charset="0"/>
+                <a:ea typeface="Lucida Console" charset="0"/>
+                <a:cs typeface="Lucida Console" charset="0"/>
+              </a:rPr>
+              <a:t>(</a:t>
+            </a:r>
+            <a:r>
+              <a:rPr lang="en-US" sz="1200" dirty="0" err="1" smtClean="0">
+                <a:solidFill>
+                  <a:schemeClr val="accent2">
+                    <a:lumMod val="75000"/>
+                  </a:schemeClr>
+                </a:solidFill>
+                <a:latin typeface="Lucida Console" charset="0"/>
+                <a:ea typeface="Lucida Console" charset="0"/>
+                <a:cs typeface="Lucida Console" charset="0"/>
+              </a:rPr>
               <a:t>int</a:t>
             </a:r>
+            <a:r>
+              <a:rPr lang="en-US" sz="1200" dirty="0" smtClean="0">
+                <a:solidFill>
+                  <a:schemeClr val="accent2">
+                    <a:lumMod val="75000"/>
+                  </a:schemeClr>
+                </a:solidFill>
+                <a:latin typeface="Lucida Console" charset="0"/>
+                <a:ea typeface="Lucida Console" charset="0"/>
+                <a:cs typeface="Lucida Console" charset="0"/>
+              </a:rPr>
+              <a:t>)</a:t>
+            </a:r>
+            <a:endParaRPr lang="en-US" sz="1200" dirty="0">
+              <a:solidFill>
+                <a:schemeClr val="accent2">
+                  <a:lumMod val="75000"/>
+                </a:schemeClr>
+              </a:solidFill>
+              <a:latin typeface="Lucida Console" charset="0"/>
+              <a:ea typeface="Lucida Console" charset="0"/>
+              <a:cs typeface="Lucida Console" charset="0"/>
+            </a:endParaRPr>
+          </a:p>
+        </p:txBody>
+      </p:sp>
+      <mc:AlternateContent xmlns:mc="http://schemas.openxmlformats.org/markup-compatibility/2006" xmlns:a14="http://schemas.microsoft.com/office/drawing/2010/main">
+        <mc:Choice Requires="a14">
+          <p:sp>
+            <p:nvSpPr>
+              <p:cNvPr id="91" name="TextBox 90"/>
+              <p:cNvSpPr txBox="1"/>
+              <p:nvPr/>
+            </p:nvSpPr>
+            <p:spPr>
+              <a:xfrm>
+                <a:off x="2922097" y="4669962"/>
+                <a:ext cx="1615752" cy="261610"/>
+              </a:xfrm>
+              <a:prstGeom prst="rect">
+                <a:avLst/>
+              </a:prstGeom>
+              <a:noFill/>
+            </p:spPr>
+            <p:txBody>
+              <a:bodyPr wrap="square" rtlCol="0">
+                <a:spAutoFit/>
+              </a:bodyPr>
+              <a:lstStyle/>
+              <a:p>
+                <a:r>
+                  <a:rPr lang="en-US" sz="1100" dirty="0" err="1" smtClean="0">
+                    <a:solidFill>
+                      <a:schemeClr val="accent2">
+                        <a:lumMod val="75000"/>
+                      </a:schemeClr>
+                    </a:solidFill>
+                    <a:latin typeface="Lucida Console" charset="0"/>
+                    <a:ea typeface="Lucida Console" charset="0"/>
+                    <a:cs typeface="Lucida Console" charset="0"/>
+                  </a:rPr>
+                  <a:t>sizeof</a:t>
+                </a:r>
+                <a:r>
+                  <a:rPr lang="en-US" sz="1100" dirty="0" smtClean="0">
+                    <a:solidFill>
+                      <a:schemeClr val="accent2">
+                        <a:lumMod val="75000"/>
+                      </a:schemeClr>
+                    </a:solidFill>
+                    <a:latin typeface="Lucida Console" charset="0"/>
+                    <a:ea typeface="Lucida Console" charset="0"/>
+                    <a:cs typeface="Lucida Console" charset="0"/>
+                  </a:rPr>
+                  <a:t>(</a:t>
+                </a:r>
+                <a:r>
+                  <a:rPr lang="en-US" sz="1100" dirty="0" err="1" smtClean="0">
+                    <a:solidFill>
+                      <a:schemeClr val="accent2">
+                        <a:lumMod val="75000"/>
+                      </a:schemeClr>
+                    </a:solidFill>
+                    <a:latin typeface="Lucida Console" charset="0"/>
+                    <a:ea typeface="Lucida Console" charset="0"/>
+                    <a:cs typeface="Lucida Console" charset="0"/>
+                  </a:rPr>
+                  <a:t>int</a:t>
+                </a:r>
+                <a:r>
+                  <a:rPr lang="en-US" sz="1100" dirty="0" smtClean="0">
+                    <a:solidFill>
+                      <a:schemeClr val="accent2">
+                        <a:lumMod val="75000"/>
+                      </a:schemeClr>
+                    </a:solidFill>
+                    <a:latin typeface="Lucida Console" charset="0"/>
+                    <a:ea typeface="Lucida Console" charset="0"/>
+                    <a:cs typeface="Lucida Console" charset="0"/>
+                  </a:rPr>
+                  <a:t>) </a:t>
+                </a:r>
+                <a14:m>
+                  <m:oMath xmlns:m="http://schemas.openxmlformats.org/officeDocument/2006/math">
+                    <m:r>
+                      <a:rPr lang="en-US" sz="1100" i="1" smtClean="0">
+                        <a:solidFill>
+                          <a:schemeClr val="accent2">
+                            <a:lumMod val="75000"/>
+                          </a:schemeClr>
+                        </a:solidFill>
+                        <a:latin typeface="Cambria Math" charset="0"/>
+                        <a:ea typeface="Cambria Math" charset="0"/>
+                        <a:cs typeface="Cambria Math" charset="0"/>
+                      </a:rPr>
+                      <m:t>×</m:t>
+                    </m:r>
+                  </m:oMath>
+                </a14:m>
+                <a:r>
+                  <a:rPr lang="en-US" sz="1100" dirty="0" smtClean="0">
+                    <a:solidFill>
+                      <a:schemeClr val="accent2">
+                        <a:lumMod val="75000"/>
+                      </a:schemeClr>
+                    </a:solidFill>
+                    <a:latin typeface="Lucida Console" charset="0"/>
+                    <a:ea typeface="Lucida Console" charset="0"/>
+                    <a:cs typeface="Lucida Console" charset="0"/>
+                  </a:rPr>
+                  <a:t> 5</a:t>
+                </a:r>
+                <a:endParaRPr lang="en-US" sz="1100" dirty="0">
+                  <a:solidFill>
+                    <a:schemeClr val="accent2">
+                      <a:lumMod val="75000"/>
+                    </a:schemeClr>
+                  </a:solidFill>
+                  <a:latin typeface="Lucida Console" charset="0"/>
+                  <a:ea typeface="Lucida Console" charset="0"/>
+                  <a:cs typeface="Lucida Console" charset="0"/>
+                </a:endParaRPr>
+              </a:p>
+            </p:txBody>
+          </p:sp>
+        </mc:Choice>
+        <mc:Fallback xmlns="">
+          <p:sp>
+            <p:nvSpPr>
+              <p:cNvPr id="91" name="TextBox 90"/>
+              <p:cNvSpPr txBox="1">
+                <a:spLocks noRot="1" noChangeAspect="1" noMove="1" noResize="1" noEditPoints="1" noAdjustHandles="1" noChangeArrowheads="1" noChangeShapeType="1" noTextEdit="1"/>
+              </p:cNvSpPr>
+              <p:nvPr/>
+            </p:nvSpPr>
+            <p:spPr>
+              <a:xfrm>
+                <a:off x="2922097" y="4669962"/>
+                <a:ext cx="1615752" cy="261610"/>
+              </a:xfrm>
+              <a:prstGeom prst="rect">
+                <a:avLst/>
+              </a:prstGeom>
+              <a:blipFill rotWithShape="0">
+                <a:blip r:embed="rId2"/>
+                <a:stretch>
+                  <a:fillRect b="-16279"/>
+                </a:stretch>
+              </a:blipFill>
+            </p:spPr>
+            <p:txBody>
+              <a:bodyPr/>
+              <a:lstStyle/>
+              <a:p>
+                <a:r>
+                  <a:rPr lang="en-US">
+                    <a:noFill/>
+                  </a:rPr>
+                  <a:t> </a:t>
+                </a:r>
+              </a:p>
+            </p:txBody>
+          </p:sp>
+        </mc:Fallback>
+      </mc:AlternateContent>
+      <p:sp>
+        <p:nvSpPr>
+          <p:cNvPr id="5" name="Snip Diagonal Corner Rectangle 4"/>
+          <p:cNvSpPr/>
+          <p:nvPr/>
+        </p:nvSpPr>
+        <p:spPr>
+          <a:xfrm>
+            <a:off x="4220041" y="2877805"/>
+            <a:ext cx="1025236" cy="1025236"/>
+          </a:xfrm>
+          <a:prstGeom prst="snip2DiagRect">
+            <a:avLst/>
+          </a:prstGeom>
+          <a:solidFill>
+            <a:srgbClr val="FBEDDC"/>
+          </a:solidFill>
+        </p:spPr>
+        <p:style>
+          <a:lnRef idx="2">
+            <a:schemeClr val="accent2">
+              <a:shade val="50000"/>
+            </a:schemeClr>
+          </a:lnRef>
+          <a:fillRef idx="1">
+            <a:schemeClr val="accent2"/>
+          </a:fillRef>
+          <a:effectRef idx="0">
+            <a:schemeClr val="accent2"/>
+          </a:effectRef>
+          <a:fontRef idx="minor">
+            <a:schemeClr val="lt1"/>
+          </a:fontRef>
+        </p:style>
+        <p:txBody>
+          <a:bodyPr rtlCol="0" anchor="ctr"/>
+          <a:lstStyle/>
+          <a:p>
+            <a:pPr algn="ctr"/>
             <a:r>
               <a:rPr lang="en-US" dirty="0" smtClean="0">
                 <a:solidFill>
@@ -11205,392 +11584,23 @@
                     <a:lumMod val="75000"/>
                   </a:schemeClr>
                 </a:solidFill>
-                <a:latin typeface="Lucida Console" charset="0"/>
-                <a:ea typeface="Lucida Console" charset="0"/>
-                <a:cs typeface="Lucida Console" charset="0"/>
-              </a:rPr>
-              <a:t> </a:t>
-            </a:r>
-            <a:r>
-              <a:rPr lang="en-US" dirty="0" smtClean="0">
-                <a:latin typeface="Lucida Console" charset="0"/>
-                <a:ea typeface="Lucida Console" charset="0"/>
-                <a:cs typeface="Lucida Console" charset="0"/>
-              </a:rPr>
-              <a:t>main()</a:t>
-            </a:r>
-          </a:p>
-          <a:p>
-            <a:r>
-              <a:rPr lang="en-US" dirty="0" smtClean="0">
-                <a:latin typeface="Lucida Console" charset="0"/>
-                <a:ea typeface="Lucida Console" charset="0"/>
-                <a:cs typeface="Lucida Console" charset="0"/>
-              </a:rPr>
-              <a:t>{</a:t>
-            </a:r>
-          </a:p>
-          <a:p>
-            <a:r>
-              <a:rPr lang="en-US" dirty="0" smtClean="0">
-                <a:latin typeface="Lucida Console" charset="0"/>
-                <a:ea typeface="Lucida Console" charset="0"/>
-                <a:cs typeface="Lucida Console" charset="0"/>
-              </a:rPr>
-              <a:t>    </a:t>
-            </a:r>
-            <a:r>
-              <a:rPr lang="en-US" dirty="0" err="1" smtClean="0">
-                <a:solidFill>
-                  <a:schemeClr val="accent2">
-                    <a:lumMod val="75000"/>
-                  </a:schemeClr>
-                </a:solidFill>
-                <a:latin typeface="Lucida Console" charset="0"/>
-                <a:ea typeface="Lucida Console" charset="0"/>
-                <a:cs typeface="Lucida Console" charset="0"/>
-              </a:rPr>
-              <a:t>int</a:t>
-            </a:r>
-            <a:r>
-              <a:rPr lang="en-US" dirty="0" smtClean="0">
-                <a:solidFill>
-                  <a:schemeClr val="accent2">
-                    <a:lumMod val="75000"/>
-                  </a:schemeClr>
-                </a:solidFill>
-                <a:latin typeface="Lucida Console" charset="0"/>
-                <a:ea typeface="Lucida Console" charset="0"/>
-                <a:cs typeface="Lucida Console" charset="0"/>
-              </a:rPr>
-              <a:t> </a:t>
-            </a:r>
-            <a:r>
-              <a:rPr lang="en-US" dirty="0" err="1" smtClean="0">
-                <a:latin typeface="Lucida Console" charset="0"/>
-                <a:ea typeface="Lucida Console" charset="0"/>
-                <a:cs typeface="Lucida Console" charset="0"/>
-              </a:rPr>
-              <a:t>fan_freq</a:t>
-            </a:r>
-            <a:r>
-              <a:rPr lang="en-US" dirty="0" smtClean="0">
-                <a:latin typeface="Lucida Console" charset="0"/>
-                <a:ea typeface="Lucida Console" charset="0"/>
-                <a:cs typeface="Lucida Console" charset="0"/>
-              </a:rPr>
-              <a:t>[]</a:t>
-            </a:r>
-            <a:r>
-              <a:rPr lang="ru-RU" dirty="0" smtClean="0">
-                <a:latin typeface="Lucida Console" charset="0"/>
-                <a:ea typeface="Lucida Console" charset="0"/>
-                <a:cs typeface="Lucida Console" charset="0"/>
-              </a:rPr>
-              <a:t> </a:t>
-            </a:r>
-            <a:r>
-              <a:rPr lang="ru-RU" dirty="0" smtClean="0">
-                <a:latin typeface="Lucida Console" charset="0"/>
-                <a:ea typeface="Lucida Console" charset="0"/>
-                <a:cs typeface="Lucida Console" charset="0"/>
-              </a:rPr>
-              <a:t>= </a:t>
-            </a:r>
-            <a:r>
-              <a:rPr lang="en-US" dirty="0" smtClean="0">
-                <a:latin typeface="Lucida Console" charset="0"/>
-                <a:ea typeface="Lucida Console" charset="0"/>
-                <a:cs typeface="Lucida Console" charset="0"/>
-              </a:rPr>
-              <a:t>{ 1000, 1200, 900, 1100, 1000 </a:t>
-            </a:r>
-            <a:r>
-              <a:rPr lang="en-US" dirty="0" smtClean="0">
-                <a:latin typeface="Lucida Console" charset="0"/>
-                <a:ea typeface="Lucida Console" charset="0"/>
-                <a:cs typeface="Lucida Console" charset="0"/>
-              </a:rPr>
-              <a:t>};</a:t>
-            </a:r>
-          </a:p>
-          <a:p>
-            <a:r>
-              <a:rPr lang="en-US" dirty="0">
-                <a:latin typeface="Lucida Console" charset="0"/>
-                <a:ea typeface="Lucida Console" charset="0"/>
-                <a:cs typeface="Lucida Console" charset="0"/>
-              </a:rPr>
-              <a:t> </a:t>
-            </a:r>
-            <a:r>
-              <a:rPr lang="en-US" dirty="0" smtClean="0">
-                <a:latin typeface="Lucida Console" charset="0"/>
-                <a:ea typeface="Lucida Console" charset="0"/>
-                <a:cs typeface="Lucida Console" charset="0"/>
-              </a:rPr>
-              <a:t>      </a:t>
+              </a:rPr>
+              <a:t>. . .</a:t>
             </a:r>
             <a:endParaRPr lang="en-US" dirty="0">
-              <a:latin typeface="Lucida Console" charset="0"/>
-              <a:ea typeface="Lucida Console" charset="0"/>
-              <a:cs typeface="Lucida Console" charset="0"/>
+              <a:solidFill>
+                <a:schemeClr val="accent2">
+                  <a:lumMod val="75000"/>
+                </a:schemeClr>
+              </a:solidFill>
             </a:endParaRPr>
-          </a:p>
-          <a:p>
-            <a:r>
-              <a:rPr lang="en-US" dirty="0" smtClean="0">
-                <a:latin typeface="Lucida Console" charset="0"/>
-                <a:ea typeface="Lucida Console" charset="0"/>
-                <a:cs typeface="Lucida Console" charset="0"/>
-              </a:rPr>
-              <a:t>    </a:t>
-            </a:r>
-            <a:r>
-              <a:rPr lang="en-US" dirty="0" smtClean="0">
-                <a:solidFill>
-                  <a:schemeClr val="accent2">
-                    <a:lumMod val="75000"/>
-                  </a:schemeClr>
-                </a:solidFill>
-                <a:latin typeface="Lucida Console" charset="0"/>
-                <a:ea typeface="Lucida Console" charset="0"/>
-                <a:cs typeface="Lucida Console" charset="0"/>
-              </a:rPr>
-              <a:t>for</a:t>
-            </a:r>
-            <a:r>
-              <a:rPr lang="en-US" dirty="0" smtClean="0">
-                <a:latin typeface="Lucida Console" charset="0"/>
-                <a:ea typeface="Lucida Console" charset="0"/>
-                <a:cs typeface="Lucida Console" charset="0"/>
-              </a:rPr>
-              <a:t> (</a:t>
-            </a:r>
-            <a:r>
-              <a:rPr lang="en-US" dirty="0" err="1" smtClean="0">
-                <a:solidFill>
-                  <a:schemeClr val="accent2">
-                    <a:lumMod val="75000"/>
-                  </a:schemeClr>
-                </a:solidFill>
-                <a:latin typeface="Lucida Console" charset="0"/>
-                <a:ea typeface="Lucida Console" charset="0"/>
-                <a:cs typeface="Lucida Console" charset="0"/>
-              </a:rPr>
-              <a:t>int</a:t>
-            </a:r>
-            <a:r>
-              <a:rPr lang="en-US" dirty="0" smtClean="0">
-                <a:solidFill>
-                  <a:schemeClr val="accent2">
-                    <a:lumMod val="75000"/>
-                  </a:schemeClr>
-                </a:solidFill>
-                <a:latin typeface="Lucida Console" charset="0"/>
-                <a:ea typeface="Lucida Console" charset="0"/>
-                <a:cs typeface="Lucida Console" charset="0"/>
-              </a:rPr>
-              <a:t> </a:t>
-            </a:r>
-            <a:r>
-              <a:rPr lang="en-US" dirty="0" err="1" smtClean="0">
-                <a:latin typeface="Lucida Console" charset="0"/>
-                <a:ea typeface="Lucida Console" charset="0"/>
-                <a:cs typeface="Lucida Console" charset="0"/>
-              </a:rPr>
-              <a:t>i</a:t>
-            </a:r>
-            <a:r>
-              <a:rPr lang="en-US" dirty="0" smtClean="0">
-                <a:latin typeface="Lucida Console" charset="0"/>
-                <a:ea typeface="Lucida Console" charset="0"/>
-                <a:cs typeface="Lucida Console" charset="0"/>
-              </a:rPr>
-              <a:t> = 0; </a:t>
-            </a:r>
-            <a:r>
-              <a:rPr lang="en-US" dirty="0" err="1" smtClean="0">
-                <a:latin typeface="Lucida Console" charset="0"/>
-                <a:ea typeface="Lucida Console" charset="0"/>
-                <a:cs typeface="Lucida Console" charset="0"/>
-              </a:rPr>
-              <a:t>i</a:t>
-            </a:r>
-            <a:r>
-              <a:rPr lang="en-US" dirty="0" smtClean="0">
-                <a:latin typeface="Lucida Console" charset="0"/>
-                <a:ea typeface="Lucida Console" charset="0"/>
-                <a:cs typeface="Lucida Console" charset="0"/>
-              </a:rPr>
-              <a:t> &lt; 5; </a:t>
-            </a:r>
-            <a:r>
-              <a:rPr lang="en-US" dirty="0" err="1" smtClean="0">
-                <a:latin typeface="Lucida Console" charset="0"/>
-                <a:ea typeface="Lucida Console" charset="0"/>
-                <a:cs typeface="Lucida Console" charset="0"/>
-              </a:rPr>
-              <a:t>i</a:t>
-            </a:r>
-            <a:r>
-              <a:rPr lang="en-US" dirty="0" smtClean="0">
-                <a:latin typeface="Lucida Console" charset="0"/>
-                <a:ea typeface="Lucida Console" charset="0"/>
-                <a:cs typeface="Lucida Console" charset="0"/>
-              </a:rPr>
-              <a:t>++) {</a:t>
-            </a:r>
-          </a:p>
-          <a:p>
-            <a:r>
-              <a:rPr lang="en-US" dirty="0">
-                <a:latin typeface="Lucida Console" charset="0"/>
-                <a:ea typeface="Lucida Console" charset="0"/>
-                <a:cs typeface="Lucida Console" charset="0"/>
-              </a:rPr>
-              <a:t> </a:t>
-            </a:r>
-            <a:r>
-              <a:rPr lang="en-US" dirty="0" smtClean="0">
-                <a:latin typeface="Lucida Console" charset="0"/>
-                <a:ea typeface="Lucida Console" charset="0"/>
-                <a:cs typeface="Lucida Console" charset="0"/>
-              </a:rPr>
-              <a:t>        </a:t>
-            </a:r>
-            <a:r>
-              <a:rPr lang="en-US" dirty="0" err="1" smtClean="0">
-                <a:latin typeface="Lucida Console" charset="0"/>
-                <a:ea typeface="Lucida Console" charset="0"/>
-                <a:cs typeface="Lucida Console" charset="0"/>
-              </a:rPr>
-              <a:t>printf</a:t>
-            </a:r>
-            <a:r>
-              <a:rPr lang="en-US" dirty="0" smtClean="0">
-                <a:latin typeface="Lucida Console" charset="0"/>
-                <a:ea typeface="Lucida Console" charset="0"/>
-                <a:cs typeface="Lucida Console" charset="0"/>
-              </a:rPr>
-              <a:t>(“%</a:t>
-            </a:r>
-            <a:r>
-              <a:rPr lang="en-US" dirty="0" smtClean="0">
-                <a:latin typeface="Lucida Console" charset="0"/>
-                <a:ea typeface="Lucida Console" charset="0"/>
-                <a:cs typeface="Lucida Console" charset="0"/>
-              </a:rPr>
-              <a:t>d RPM\n”, </a:t>
-            </a:r>
-            <a:r>
-              <a:rPr lang="en-US" dirty="0" smtClean="0">
-                <a:latin typeface="Lucida Console" charset="0"/>
-                <a:ea typeface="Lucida Console" charset="0"/>
-                <a:cs typeface="Lucida Console" charset="0"/>
-              </a:rPr>
-              <a:t>fans[</a:t>
-            </a:r>
-            <a:r>
-              <a:rPr lang="en-US" dirty="0" err="1" smtClean="0">
-                <a:latin typeface="Lucida Console" charset="0"/>
-                <a:ea typeface="Lucida Console" charset="0"/>
-                <a:cs typeface="Lucida Console" charset="0"/>
-              </a:rPr>
-              <a:t>i</a:t>
-            </a:r>
-            <a:r>
-              <a:rPr lang="en-US" dirty="0" smtClean="0">
-                <a:latin typeface="Lucida Console" charset="0"/>
-                <a:ea typeface="Lucida Console" charset="0"/>
-                <a:cs typeface="Lucida Console" charset="0"/>
-              </a:rPr>
-              <a:t>]);</a:t>
-            </a:r>
-          </a:p>
-          <a:p>
-            <a:r>
-              <a:rPr lang="en-US" dirty="0" smtClean="0">
-                <a:latin typeface="Lucida Console" charset="0"/>
-                <a:ea typeface="Lucida Console" charset="0"/>
-                <a:cs typeface="Lucida Console" charset="0"/>
-              </a:rPr>
-              <a:t>    }</a:t>
-            </a:r>
-          </a:p>
-          <a:p>
-            <a:r>
-              <a:rPr lang="en-US" dirty="0">
-                <a:latin typeface="Lucida Console" charset="0"/>
-                <a:ea typeface="Lucida Console" charset="0"/>
-                <a:cs typeface="Lucida Console" charset="0"/>
-              </a:rPr>
-              <a:t> </a:t>
-            </a:r>
-            <a:r>
-              <a:rPr lang="en-US" dirty="0" smtClean="0">
-                <a:latin typeface="Lucida Console" charset="0"/>
-                <a:ea typeface="Lucida Console" charset="0"/>
-                <a:cs typeface="Lucida Console" charset="0"/>
-              </a:rPr>
-              <a:t>   </a:t>
-            </a:r>
-          </a:p>
-          <a:p>
-            <a:r>
-              <a:rPr lang="en-US" dirty="0">
-                <a:latin typeface="Lucida Console" charset="0"/>
-                <a:ea typeface="Lucida Console" charset="0"/>
-                <a:cs typeface="Lucida Console" charset="0"/>
-              </a:rPr>
-              <a:t> </a:t>
-            </a:r>
-            <a:r>
-              <a:rPr lang="en-US" dirty="0" smtClean="0">
-                <a:latin typeface="Lucida Console" charset="0"/>
-                <a:ea typeface="Lucida Console" charset="0"/>
-                <a:cs typeface="Lucida Console" charset="0"/>
-              </a:rPr>
-              <a:t>   </a:t>
-            </a:r>
-            <a:r>
-              <a:rPr lang="en-US" dirty="0" smtClean="0">
-                <a:solidFill>
-                  <a:schemeClr val="accent2">
-                    <a:lumMod val="75000"/>
-                  </a:schemeClr>
-                </a:solidFill>
-                <a:latin typeface="Lucida Console" charset="0"/>
-                <a:ea typeface="Lucida Console" charset="0"/>
-                <a:cs typeface="Lucida Console" charset="0"/>
-              </a:rPr>
-              <a:t>return </a:t>
-            </a:r>
-            <a:r>
-              <a:rPr lang="en-US" dirty="0" smtClean="0">
-                <a:latin typeface="Lucida Console" charset="0"/>
-                <a:ea typeface="Lucida Console" charset="0"/>
-                <a:cs typeface="Lucida Console" charset="0"/>
-              </a:rPr>
-              <a:t>0; </a:t>
-            </a:r>
-          </a:p>
-          <a:p>
-            <a:r>
-              <a:rPr lang="en-US" dirty="0" smtClean="0">
-                <a:latin typeface="Lucida Console" charset="0"/>
-                <a:ea typeface="Lucida Console" charset="0"/>
-                <a:cs typeface="Lucida Console" charset="0"/>
-              </a:rPr>
-              <a:t>}</a:t>
-            </a:r>
           </a:p>
         </p:txBody>
       </p:sp>
     </p:spTree>
     <p:extLst>
       <p:ext uri="{BB962C8B-B14F-4D97-AF65-F5344CB8AC3E}">
-        <p14:creationId xmlns:p14="http://schemas.microsoft.com/office/powerpoint/2010/main" val="1935424615"/>
+        <p14:creationId xmlns:p14="http://schemas.microsoft.com/office/powerpoint/2010/main" val="1270458169"/>
       </p:ext>
     </p:extLst>
   </p:cSld>
@@ -11655,6 +11665,516 @@
             </a:r>
             <a:r>
               <a:rPr lang="en-US" dirty="0" smtClean="0"/>
+              <a:t>::</a:t>
+            </a:r>
+            <a:r>
+              <a:rPr lang="ru-RU" dirty="0" smtClean="0"/>
+              <a:t>Инициализация</a:t>
+            </a:r>
+            <a:br>
+              <a:rPr lang="ru-RU" dirty="0" smtClean="0"/>
+            </a:br>
+            <a:r>
+              <a:rPr lang="ru-RU" dirty="0" smtClean="0"/>
+              <a:t>------------------------------------------------------------</a:t>
+            </a:r>
+            <a:endParaRPr lang="en-US" dirty="0"/>
+          </a:p>
+        </p:txBody>
+      </p:sp>
+      <p:sp>
+        <p:nvSpPr>
+          <p:cNvPr id="19" name="TextBox 18"/>
+          <p:cNvSpPr txBox="1"/>
+          <p:nvPr/>
+        </p:nvSpPr>
+        <p:spPr>
+          <a:xfrm>
+            <a:off x="3103173" y="2361443"/>
+            <a:ext cx="7576113" cy="3416320"/>
+          </a:xfrm>
+          <a:prstGeom prst="rect">
+            <a:avLst/>
+          </a:prstGeom>
+          <a:noFill/>
+        </p:spPr>
+        <p:txBody>
+          <a:bodyPr wrap="none" rtlCol="0">
+            <a:spAutoFit/>
+          </a:bodyPr>
+          <a:lstStyle/>
+          <a:p>
+            <a:r>
+              <a:rPr lang="en-US" dirty="0" smtClean="0">
+                <a:latin typeface="Lucida Console" charset="0"/>
+                <a:ea typeface="Lucida Console" charset="0"/>
+                <a:cs typeface="Lucida Console" charset="0"/>
+              </a:rPr>
+              <a:t>#include &lt;</a:t>
+            </a:r>
+            <a:r>
+              <a:rPr lang="en-US" dirty="0" err="1" smtClean="0">
+                <a:latin typeface="Lucida Console" charset="0"/>
+                <a:ea typeface="Lucida Console" charset="0"/>
+                <a:cs typeface="Lucida Console" charset="0"/>
+              </a:rPr>
+              <a:t>stdio.h</a:t>
+            </a:r>
+            <a:r>
+              <a:rPr lang="en-US" dirty="0" smtClean="0">
+                <a:latin typeface="Lucida Console" charset="0"/>
+                <a:ea typeface="Lucida Console" charset="0"/>
+                <a:cs typeface="Lucida Console" charset="0"/>
+              </a:rPr>
+              <a:t>&gt;</a:t>
+            </a:r>
+          </a:p>
+          <a:p>
+            <a:endParaRPr lang="en-US" dirty="0" smtClean="0">
+              <a:latin typeface="Lucida Console" charset="0"/>
+              <a:ea typeface="Lucida Console" charset="0"/>
+              <a:cs typeface="Lucida Console" charset="0"/>
+            </a:endParaRPr>
+          </a:p>
+          <a:p>
+            <a:r>
+              <a:rPr lang="en-US" dirty="0" err="1" smtClean="0">
+                <a:solidFill>
+                  <a:schemeClr val="accent2">
+                    <a:lumMod val="75000"/>
+                  </a:schemeClr>
+                </a:solidFill>
+                <a:latin typeface="Lucida Console" charset="0"/>
+                <a:ea typeface="Lucida Console" charset="0"/>
+                <a:cs typeface="Lucida Console" charset="0"/>
+              </a:rPr>
+              <a:t>int</a:t>
+            </a:r>
+            <a:r>
+              <a:rPr lang="en-US" dirty="0" smtClean="0">
+                <a:solidFill>
+                  <a:schemeClr val="accent2">
+                    <a:lumMod val="75000"/>
+                  </a:schemeClr>
+                </a:solidFill>
+                <a:latin typeface="Lucida Console" charset="0"/>
+                <a:ea typeface="Lucida Console" charset="0"/>
+                <a:cs typeface="Lucida Console" charset="0"/>
+              </a:rPr>
+              <a:t> </a:t>
+            </a:r>
+            <a:r>
+              <a:rPr lang="en-US" dirty="0" smtClean="0">
+                <a:latin typeface="Lucida Console" charset="0"/>
+                <a:ea typeface="Lucida Console" charset="0"/>
+                <a:cs typeface="Lucida Console" charset="0"/>
+              </a:rPr>
+              <a:t>main()</a:t>
+            </a:r>
+          </a:p>
+          <a:p>
+            <a:r>
+              <a:rPr lang="en-US" dirty="0" smtClean="0">
+                <a:latin typeface="Lucida Console" charset="0"/>
+                <a:ea typeface="Lucida Console" charset="0"/>
+                <a:cs typeface="Lucida Console" charset="0"/>
+              </a:rPr>
+              <a:t>{</a:t>
+            </a:r>
+          </a:p>
+          <a:p>
+            <a:r>
+              <a:rPr lang="en-US" dirty="0" smtClean="0">
+                <a:latin typeface="Lucida Console" charset="0"/>
+                <a:ea typeface="Lucida Console" charset="0"/>
+                <a:cs typeface="Lucida Console" charset="0"/>
+              </a:rPr>
+              <a:t>    </a:t>
+            </a:r>
+            <a:r>
+              <a:rPr lang="en-US" dirty="0" err="1" smtClean="0">
+                <a:solidFill>
+                  <a:schemeClr val="accent2">
+                    <a:lumMod val="75000"/>
+                  </a:schemeClr>
+                </a:solidFill>
+                <a:latin typeface="Lucida Console" charset="0"/>
+                <a:ea typeface="Lucida Console" charset="0"/>
+                <a:cs typeface="Lucida Console" charset="0"/>
+              </a:rPr>
+              <a:t>int</a:t>
+            </a:r>
+            <a:r>
+              <a:rPr lang="en-US" dirty="0" smtClean="0">
+                <a:solidFill>
+                  <a:schemeClr val="accent2">
+                    <a:lumMod val="75000"/>
+                  </a:schemeClr>
+                </a:solidFill>
+                <a:latin typeface="Lucida Console" charset="0"/>
+                <a:ea typeface="Lucida Console" charset="0"/>
+                <a:cs typeface="Lucida Console" charset="0"/>
+              </a:rPr>
+              <a:t> </a:t>
+            </a:r>
+            <a:r>
+              <a:rPr lang="en-US" dirty="0" err="1" smtClean="0">
+                <a:latin typeface="Lucida Console" charset="0"/>
+                <a:ea typeface="Lucida Console" charset="0"/>
+                <a:cs typeface="Lucida Console" charset="0"/>
+              </a:rPr>
+              <a:t>fan_freq</a:t>
+            </a:r>
+            <a:r>
+              <a:rPr lang="en-US" dirty="0" smtClean="0">
+                <a:latin typeface="Lucida Console" charset="0"/>
+                <a:ea typeface="Lucida Console" charset="0"/>
+                <a:cs typeface="Lucida Console" charset="0"/>
+              </a:rPr>
+              <a:t>[]</a:t>
+            </a:r>
+            <a:r>
+              <a:rPr lang="ru-RU" dirty="0" smtClean="0">
+                <a:latin typeface="Lucida Console" charset="0"/>
+                <a:ea typeface="Lucida Console" charset="0"/>
+                <a:cs typeface="Lucida Console" charset="0"/>
+              </a:rPr>
+              <a:t> = </a:t>
+            </a:r>
+            <a:r>
+              <a:rPr lang="en-US" dirty="0" smtClean="0">
+                <a:latin typeface="Lucida Console" charset="0"/>
+                <a:ea typeface="Lucida Console" charset="0"/>
+                <a:cs typeface="Lucida Console" charset="0"/>
+              </a:rPr>
+              <a:t>{ 1000, 1200, 900, 1100, 1000 };</a:t>
+            </a:r>
+          </a:p>
+          <a:p>
+            <a:r>
+              <a:rPr lang="en-US" dirty="0">
+                <a:latin typeface="Lucida Console" charset="0"/>
+                <a:ea typeface="Lucida Console" charset="0"/>
+                <a:cs typeface="Lucida Console" charset="0"/>
+              </a:rPr>
+              <a:t> </a:t>
+            </a:r>
+            <a:r>
+              <a:rPr lang="en-US" dirty="0" smtClean="0">
+                <a:latin typeface="Lucida Console" charset="0"/>
+                <a:ea typeface="Lucida Console" charset="0"/>
+                <a:cs typeface="Lucida Console" charset="0"/>
+              </a:rPr>
+              <a:t>      </a:t>
+            </a:r>
+            <a:endParaRPr lang="en-US" dirty="0">
+              <a:latin typeface="Lucida Console" charset="0"/>
+              <a:ea typeface="Lucida Console" charset="0"/>
+              <a:cs typeface="Lucida Console" charset="0"/>
+            </a:endParaRPr>
+          </a:p>
+          <a:p>
+            <a:r>
+              <a:rPr lang="en-US" dirty="0" smtClean="0">
+                <a:latin typeface="Lucida Console" charset="0"/>
+                <a:ea typeface="Lucida Console" charset="0"/>
+                <a:cs typeface="Lucida Console" charset="0"/>
+              </a:rPr>
+              <a:t>    </a:t>
+            </a:r>
+            <a:r>
+              <a:rPr lang="en-US" dirty="0" smtClean="0">
+                <a:solidFill>
+                  <a:schemeClr val="accent2">
+                    <a:lumMod val="75000"/>
+                  </a:schemeClr>
+                </a:solidFill>
+                <a:latin typeface="Lucida Console" charset="0"/>
+                <a:ea typeface="Lucida Console" charset="0"/>
+                <a:cs typeface="Lucida Console" charset="0"/>
+              </a:rPr>
+              <a:t>for</a:t>
+            </a:r>
+            <a:r>
+              <a:rPr lang="en-US" dirty="0" smtClean="0">
+                <a:latin typeface="Lucida Console" charset="0"/>
+                <a:ea typeface="Lucida Console" charset="0"/>
+                <a:cs typeface="Lucida Console" charset="0"/>
+              </a:rPr>
+              <a:t> (</a:t>
+            </a:r>
+            <a:r>
+              <a:rPr lang="en-US" dirty="0" err="1" smtClean="0">
+                <a:solidFill>
+                  <a:schemeClr val="accent2">
+                    <a:lumMod val="75000"/>
+                  </a:schemeClr>
+                </a:solidFill>
+                <a:latin typeface="Lucida Console" charset="0"/>
+                <a:ea typeface="Lucida Console" charset="0"/>
+                <a:cs typeface="Lucida Console" charset="0"/>
+              </a:rPr>
+              <a:t>int</a:t>
+            </a:r>
+            <a:r>
+              <a:rPr lang="en-US" dirty="0" smtClean="0">
+                <a:solidFill>
+                  <a:schemeClr val="accent2">
+                    <a:lumMod val="75000"/>
+                  </a:schemeClr>
+                </a:solidFill>
+                <a:latin typeface="Lucida Console" charset="0"/>
+                <a:ea typeface="Lucida Console" charset="0"/>
+                <a:cs typeface="Lucida Console" charset="0"/>
+              </a:rPr>
+              <a:t> </a:t>
+            </a:r>
+            <a:r>
+              <a:rPr lang="en-US" dirty="0" err="1" smtClean="0">
+                <a:latin typeface="Lucida Console" charset="0"/>
+                <a:ea typeface="Lucida Console" charset="0"/>
+                <a:cs typeface="Lucida Console" charset="0"/>
+              </a:rPr>
+              <a:t>i</a:t>
+            </a:r>
+            <a:r>
+              <a:rPr lang="en-US" dirty="0" smtClean="0">
+                <a:latin typeface="Lucida Console" charset="0"/>
+                <a:ea typeface="Lucida Console" charset="0"/>
+                <a:cs typeface="Lucida Console" charset="0"/>
+              </a:rPr>
+              <a:t> = 0; </a:t>
+            </a:r>
+            <a:r>
+              <a:rPr lang="en-US" dirty="0" err="1" smtClean="0">
+                <a:latin typeface="Lucida Console" charset="0"/>
+                <a:ea typeface="Lucida Console" charset="0"/>
+                <a:cs typeface="Lucida Console" charset="0"/>
+              </a:rPr>
+              <a:t>i</a:t>
+            </a:r>
+            <a:r>
+              <a:rPr lang="en-US" dirty="0" smtClean="0">
+                <a:latin typeface="Lucida Console" charset="0"/>
+                <a:ea typeface="Lucida Console" charset="0"/>
+                <a:cs typeface="Lucida Console" charset="0"/>
+              </a:rPr>
+              <a:t> &lt; 5; </a:t>
+            </a:r>
+            <a:r>
+              <a:rPr lang="en-US" dirty="0" err="1" smtClean="0">
+                <a:latin typeface="Lucida Console" charset="0"/>
+                <a:ea typeface="Lucida Console" charset="0"/>
+                <a:cs typeface="Lucida Console" charset="0"/>
+              </a:rPr>
+              <a:t>i</a:t>
+            </a:r>
+            <a:r>
+              <a:rPr lang="en-US" dirty="0" smtClean="0">
+                <a:latin typeface="Lucida Console" charset="0"/>
+                <a:ea typeface="Lucida Console" charset="0"/>
+                <a:cs typeface="Lucida Console" charset="0"/>
+              </a:rPr>
+              <a:t>++) {</a:t>
+            </a:r>
+          </a:p>
+          <a:p>
+            <a:r>
+              <a:rPr lang="en-US" dirty="0">
+                <a:latin typeface="Lucida Console" charset="0"/>
+                <a:ea typeface="Lucida Console" charset="0"/>
+                <a:cs typeface="Lucida Console" charset="0"/>
+              </a:rPr>
+              <a:t> </a:t>
+            </a:r>
+            <a:r>
+              <a:rPr lang="en-US" dirty="0" smtClean="0">
+                <a:latin typeface="Lucida Console" charset="0"/>
+                <a:ea typeface="Lucida Console" charset="0"/>
+                <a:cs typeface="Lucida Console" charset="0"/>
+              </a:rPr>
+              <a:t>        </a:t>
+            </a:r>
+            <a:r>
+              <a:rPr lang="en-US" dirty="0" err="1" smtClean="0">
+                <a:latin typeface="Lucida Console" charset="0"/>
+                <a:ea typeface="Lucida Console" charset="0"/>
+                <a:cs typeface="Lucida Console" charset="0"/>
+              </a:rPr>
+              <a:t>printf</a:t>
+            </a:r>
+            <a:r>
+              <a:rPr lang="en-US" dirty="0" smtClean="0">
+                <a:latin typeface="Lucida Console" charset="0"/>
+                <a:ea typeface="Lucida Console" charset="0"/>
+                <a:cs typeface="Lucida Console" charset="0"/>
+              </a:rPr>
+              <a:t>(“%d RPM\n”, fans[</a:t>
+            </a:r>
+            <a:r>
+              <a:rPr lang="en-US" dirty="0" err="1" smtClean="0">
+                <a:latin typeface="Lucida Console" charset="0"/>
+                <a:ea typeface="Lucida Console" charset="0"/>
+                <a:cs typeface="Lucida Console" charset="0"/>
+              </a:rPr>
+              <a:t>i</a:t>
+            </a:r>
+            <a:r>
+              <a:rPr lang="en-US" dirty="0" smtClean="0">
+                <a:latin typeface="Lucida Console" charset="0"/>
+                <a:ea typeface="Lucida Console" charset="0"/>
+                <a:cs typeface="Lucida Console" charset="0"/>
+              </a:rPr>
+              <a:t>]);</a:t>
+            </a:r>
+          </a:p>
+          <a:p>
+            <a:r>
+              <a:rPr lang="en-US" dirty="0" smtClean="0">
+                <a:latin typeface="Lucida Console" charset="0"/>
+                <a:ea typeface="Lucida Console" charset="0"/>
+                <a:cs typeface="Lucida Console" charset="0"/>
+              </a:rPr>
+              <a:t>    }</a:t>
+            </a:r>
+          </a:p>
+          <a:p>
+            <a:r>
+              <a:rPr lang="en-US" dirty="0">
+                <a:latin typeface="Lucida Console" charset="0"/>
+                <a:ea typeface="Lucida Console" charset="0"/>
+                <a:cs typeface="Lucida Console" charset="0"/>
+              </a:rPr>
+              <a:t> </a:t>
+            </a:r>
+            <a:r>
+              <a:rPr lang="en-US" dirty="0" smtClean="0">
+                <a:latin typeface="Lucida Console" charset="0"/>
+                <a:ea typeface="Lucida Console" charset="0"/>
+                <a:cs typeface="Lucida Console" charset="0"/>
+              </a:rPr>
+              <a:t>   </a:t>
+            </a:r>
+          </a:p>
+          <a:p>
+            <a:r>
+              <a:rPr lang="en-US" dirty="0">
+                <a:latin typeface="Lucida Console" charset="0"/>
+                <a:ea typeface="Lucida Console" charset="0"/>
+                <a:cs typeface="Lucida Console" charset="0"/>
+              </a:rPr>
+              <a:t> </a:t>
+            </a:r>
+            <a:r>
+              <a:rPr lang="en-US" dirty="0" smtClean="0">
+                <a:latin typeface="Lucida Console" charset="0"/>
+                <a:ea typeface="Lucida Console" charset="0"/>
+                <a:cs typeface="Lucida Console" charset="0"/>
+              </a:rPr>
+              <a:t>   </a:t>
+            </a:r>
+            <a:r>
+              <a:rPr lang="en-US" dirty="0" smtClean="0">
+                <a:solidFill>
+                  <a:schemeClr val="accent2">
+                    <a:lumMod val="75000"/>
+                  </a:schemeClr>
+                </a:solidFill>
+                <a:latin typeface="Lucida Console" charset="0"/>
+                <a:ea typeface="Lucida Console" charset="0"/>
+                <a:cs typeface="Lucida Console" charset="0"/>
+              </a:rPr>
+              <a:t>return </a:t>
+            </a:r>
+            <a:r>
+              <a:rPr lang="en-US" dirty="0" smtClean="0">
+                <a:latin typeface="Lucida Console" charset="0"/>
+                <a:ea typeface="Lucida Console" charset="0"/>
+                <a:cs typeface="Lucida Console" charset="0"/>
+              </a:rPr>
+              <a:t>0; </a:t>
+            </a:r>
+          </a:p>
+          <a:p>
+            <a:r>
+              <a:rPr lang="en-US" dirty="0" smtClean="0">
+                <a:latin typeface="Lucida Console" charset="0"/>
+                <a:ea typeface="Lucida Console" charset="0"/>
+                <a:cs typeface="Lucida Console" charset="0"/>
+              </a:rPr>
+              <a:t>}</a:t>
+            </a:r>
+          </a:p>
+        </p:txBody>
+      </p:sp>
+    </p:spTree>
+    <p:extLst>
+      <p:ext uri="{BB962C8B-B14F-4D97-AF65-F5344CB8AC3E}">
+        <p14:creationId xmlns:p14="http://schemas.microsoft.com/office/powerpoint/2010/main" val="1935424615"/>
+      </p:ext>
+    </p:extLst>
+  </p:cSld>
+  <p:clrMapOvr>
+    <a:masterClrMapping/>
+  </p:clrMapOvr>
+  <mc:AlternateContent xmlns:mc="http://schemas.openxmlformats.org/markup-compatibility/2006" xmlns:p14="http://schemas.microsoft.com/office/powerpoint/2010/main">
+    <mc:Choice Requires="p14">
+      <p:transition p14:dur="0"/>
+    </mc:Choice>
+    <mc:Fallback xmlns="">
+      <p:transition/>
+    </mc:Fallback>
+  </mc:AlternateContent>
+  <p:timing>
+    <p:tnLst>
+      <p:par>
+        <p:cTn id="1" dur="indefinite" restart="never" nodeType="tmRoot"/>
+      </p:par>
+    </p:tnLst>
+  </p:timing>
+</p:sld>
+</file>
+
+<file path=ppt/slides/slide22.xml><?xml version="1.0" encoding="utf-8"?>
+<p:sld xmlns:a="http://schemas.openxmlformats.org/drawingml/2006/main" xmlns:r="http://schemas.openxmlformats.org/officeDocument/2006/relationships" xmlns:p="http://schemas.openxmlformats.org/presentationml/2006/main">
+  <p:cSld>
+    <p:spTree>
+      <p:nvGrpSpPr>
+        <p:cNvPr id="1" name=""/>
+        <p:cNvGrpSpPr/>
+        <p:nvPr/>
+      </p:nvGrpSpPr>
+      <p:grpSpPr>
+        <a:xfrm>
+          <a:off x="0" y="0"/>
+          <a:ext cx="0" cy="0"/>
+          <a:chOff x="0" y="0"/>
+          <a:chExt cx="0" cy="0"/>
+        </a:xfrm>
+      </p:grpSpPr>
+      <p:sp>
+        <p:nvSpPr>
+          <p:cNvPr id="2" name="Title 1"/>
+          <p:cNvSpPr>
+            <a:spLocks noGrp="1"/>
+          </p:cNvSpPr>
+          <p:nvPr>
+            <p:ph type="title"/>
+          </p:nvPr>
+        </p:nvSpPr>
+        <p:spPr/>
+        <p:txBody>
+          <a:bodyPr>
+            <a:normAutofit/>
+          </a:bodyPr>
+          <a:lstStyle/>
+          <a:p>
+            <a:r>
+              <a:rPr lang="ru-RU" dirty="0" smtClean="0"/>
+              <a:t>Массивы</a:t>
+            </a:r>
+            <a:r>
+              <a:rPr lang="en-US" dirty="0" smtClean="0"/>
               <a:t/>
             </a:r>
             <a:br>
@@ -11816,7 +12336,7 @@
 </p:sld>
 </file>
 
-<file path=ppt/slides/slide22.xml><?xml version="1.0" encoding="utf-8"?>
+<file path=ppt/slides/slide23.xml><?xml version="1.0" encoding="utf-8"?>
 <p:sld xmlns:a="http://schemas.openxmlformats.org/drawingml/2006/main" xmlns:r="http://schemas.openxmlformats.org/officeDocument/2006/relationships" xmlns:p="http://schemas.openxmlformats.org/presentationml/2006/main">
   <p:cSld>
     <p:spTree>
@@ -13253,544 +13773,6 @@
 </p:sld>
 </file>
 
-<file path=ppt/slides/slide23.xml><?xml version="1.0" encoding="utf-8"?>
-<p:sld xmlns:a="http://schemas.openxmlformats.org/drawingml/2006/main" xmlns:r="http://schemas.openxmlformats.org/officeDocument/2006/relationships" xmlns:p="http://schemas.openxmlformats.org/presentationml/2006/main">
-  <p:cSld>
-    <p:spTree>
-      <p:nvGrpSpPr>
-        <p:cNvPr id="1" name=""/>
-        <p:cNvGrpSpPr/>
-        <p:nvPr/>
-      </p:nvGrpSpPr>
-      <p:grpSpPr>
-        <a:xfrm>
-          <a:off x="0" y="0"/>
-          <a:ext cx="0" cy="0"/>
-          <a:chOff x="0" y="0"/>
-          <a:chExt cx="0" cy="0"/>
-        </a:xfrm>
-      </p:grpSpPr>
-      <p:sp>
-        <p:nvSpPr>
-          <p:cNvPr id="2" name="Title 1"/>
-          <p:cNvSpPr>
-            <a:spLocks noGrp="1"/>
-          </p:cNvSpPr>
-          <p:nvPr>
-            <p:ph type="title"/>
-          </p:nvPr>
-        </p:nvSpPr>
-        <p:spPr/>
-        <p:txBody>
-          <a:bodyPr>
-            <a:normAutofit/>
-          </a:bodyPr>
-          <a:lstStyle/>
-          <a:p>
-            <a:r>
-              <a:rPr lang="ru-RU" dirty="0" smtClean="0"/>
-              <a:t>Массивы</a:t>
-            </a:r>
-            <a:r>
-              <a:rPr lang="en-US" dirty="0" smtClean="0"/>
-              <a:t>::</a:t>
-            </a:r>
-            <a:r>
-              <a:rPr lang="ru-RU" dirty="0" smtClean="0"/>
-              <a:t>Си-строка</a:t>
-            </a:r>
-            <a:r>
-              <a:rPr lang="ru-RU" dirty="0" smtClean="0"/>
-              <a:t/>
-            </a:r>
-            <a:br>
-              <a:rPr lang="ru-RU" dirty="0" smtClean="0"/>
-            </a:br>
-            <a:r>
-              <a:rPr lang="ru-RU" dirty="0" smtClean="0"/>
-              <a:t>------------------------------------------------------------</a:t>
-            </a:r>
-            <a:endParaRPr lang="en-US" dirty="0"/>
-          </a:p>
-        </p:txBody>
-      </p:sp>
-      <p:sp>
-        <p:nvSpPr>
-          <p:cNvPr id="19" name="TextBox 18"/>
-          <p:cNvSpPr txBox="1"/>
-          <p:nvPr/>
-        </p:nvSpPr>
-        <p:spPr>
-          <a:xfrm>
-            <a:off x="3353903" y="2281233"/>
-            <a:ext cx="4926349" cy="3416320"/>
-          </a:xfrm>
-          <a:prstGeom prst="rect">
-            <a:avLst/>
-          </a:prstGeom>
-          <a:noFill/>
-        </p:spPr>
-        <p:txBody>
-          <a:bodyPr wrap="none" rtlCol="0">
-            <a:spAutoFit/>
-          </a:bodyPr>
-          <a:lstStyle/>
-          <a:p>
-            <a:r>
-              <a:rPr lang="en-US" dirty="0" smtClean="0">
-                <a:latin typeface="Lucida Console" charset="0"/>
-                <a:ea typeface="Lucida Console" charset="0"/>
-                <a:cs typeface="Lucida Console" charset="0"/>
-              </a:rPr>
-              <a:t>#include &lt;</a:t>
-            </a:r>
-            <a:r>
-              <a:rPr lang="en-US" dirty="0" err="1" smtClean="0">
-                <a:latin typeface="Lucida Console" charset="0"/>
-                <a:ea typeface="Lucida Console" charset="0"/>
-                <a:cs typeface="Lucida Console" charset="0"/>
-              </a:rPr>
-              <a:t>stdio.h</a:t>
-            </a:r>
-            <a:r>
-              <a:rPr lang="en-US" dirty="0" smtClean="0">
-                <a:latin typeface="Lucida Console" charset="0"/>
-                <a:ea typeface="Lucida Console" charset="0"/>
-                <a:cs typeface="Lucida Console" charset="0"/>
-              </a:rPr>
-              <a:t>&gt;</a:t>
-            </a:r>
-          </a:p>
-          <a:p>
-            <a:endParaRPr lang="en-US" dirty="0" smtClean="0">
-              <a:latin typeface="Lucida Console" charset="0"/>
-              <a:ea typeface="Lucida Console" charset="0"/>
-              <a:cs typeface="Lucida Console" charset="0"/>
-            </a:endParaRPr>
-          </a:p>
-          <a:p>
-            <a:r>
-              <a:rPr lang="en-US" dirty="0" err="1" smtClean="0">
-                <a:solidFill>
-                  <a:schemeClr val="accent2">
-                    <a:lumMod val="75000"/>
-                  </a:schemeClr>
-                </a:solidFill>
-                <a:latin typeface="Lucida Console" charset="0"/>
-                <a:ea typeface="Lucida Console" charset="0"/>
-                <a:cs typeface="Lucida Console" charset="0"/>
-              </a:rPr>
-              <a:t>int</a:t>
-            </a:r>
-            <a:r>
-              <a:rPr lang="en-US" dirty="0" smtClean="0">
-                <a:solidFill>
-                  <a:schemeClr val="accent2">
-                    <a:lumMod val="75000"/>
-                  </a:schemeClr>
-                </a:solidFill>
-                <a:latin typeface="Lucida Console" charset="0"/>
-                <a:ea typeface="Lucida Console" charset="0"/>
-                <a:cs typeface="Lucida Console" charset="0"/>
-              </a:rPr>
-              <a:t> </a:t>
-            </a:r>
-            <a:r>
-              <a:rPr lang="en-US" dirty="0" smtClean="0">
-                <a:latin typeface="Lucida Console" charset="0"/>
-                <a:ea typeface="Lucida Console" charset="0"/>
-                <a:cs typeface="Lucida Console" charset="0"/>
-              </a:rPr>
-              <a:t>main()</a:t>
-            </a:r>
-          </a:p>
-          <a:p>
-            <a:r>
-              <a:rPr lang="en-US" dirty="0" smtClean="0">
-                <a:latin typeface="Lucida Console" charset="0"/>
-                <a:ea typeface="Lucida Console" charset="0"/>
-                <a:cs typeface="Lucida Console" charset="0"/>
-              </a:rPr>
-              <a:t>{</a:t>
-            </a:r>
-          </a:p>
-          <a:p>
-            <a:r>
-              <a:rPr lang="en-US" dirty="0" smtClean="0">
-                <a:latin typeface="Lucida Console" charset="0"/>
-                <a:ea typeface="Lucida Console" charset="0"/>
-                <a:cs typeface="Lucida Console" charset="0"/>
-              </a:rPr>
-              <a:t>    </a:t>
-            </a:r>
-            <a:r>
-              <a:rPr lang="en-US" dirty="0" smtClean="0">
-                <a:solidFill>
-                  <a:schemeClr val="accent2">
-                    <a:lumMod val="75000"/>
-                  </a:schemeClr>
-                </a:solidFill>
-                <a:latin typeface="Lucida Console" charset="0"/>
-                <a:ea typeface="Lucida Console" charset="0"/>
-                <a:cs typeface="Lucida Console" charset="0"/>
-              </a:rPr>
-              <a:t>char </a:t>
-            </a:r>
-            <a:r>
-              <a:rPr lang="en-US" dirty="0" smtClean="0">
-                <a:latin typeface="Lucida Console" charset="0"/>
-                <a:ea typeface="Lucida Console" charset="0"/>
-                <a:cs typeface="Lucida Console" charset="0"/>
-              </a:rPr>
-              <a:t>word</a:t>
-            </a:r>
-            <a:r>
-              <a:rPr lang="en-US" dirty="0" smtClean="0">
-                <a:latin typeface="Lucida Console" charset="0"/>
-                <a:ea typeface="Lucida Console" charset="0"/>
-                <a:cs typeface="Lucida Console" charset="0"/>
-              </a:rPr>
-              <a:t>[]</a:t>
-            </a:r>
-            <a:r>
-              <a:rPr lang="ru-RU" dirty="0" smtClean="0">
-                <a:latin typeface="Lucida Console" charset="0"/>
-                <a:ea typeface="Lucida Console" charset="0"/>
-                <a:cs typeface="Lucida Console" charset="0"/>
-              </a:rPr>
-              <a:t> </a:t>
-            </a:r>
-            <a:r>
-              <a:rPr lang="en-US" dirty="0" smtClean="0">
-                <a:latin typeface="Lucida Console" charset="0"/>
-                <a:ea typeface="Lucida Console" charset="0"/>
-                <a:cs typeface="Lucida Console" charset="0"/>
-              </a:rPr>
-              <a:t>= “Hello”;</a:t>
-            </a:r>
-          </a:p>
-          <a:p>
-            <a:r>
-              <a:rPr lang="en-US" dirty="0">
-                <a:latin typeface="Lucida Console" charset="0"/>
-                <a:ea typeface="Lucida Console" charset="0"/>
-                <a:cs typeface="Lucida Console" charset="0"/>
-              </a:rPr>
-              <a:t> </a:t>
-            </a:r>
-            <a:r>
-              <a:rPr lang="en-US" dirty="0" smtClean="0">
-                <a:latin typeface="Lucida Console" charset="0"/>
-                <a:ea typeface="Lucida Console" charset="0"/>
-                <a:cs typeface="Lucida Console" charset="0"/>
-              </a:rPr>
-              <a:t>      </a:t>
-            </a:r>
-            <a:endParaRPr lang="en-US" dirty="0">
-              <a:latin typeface="Lucida Console" charset="0"/>
-              <a:ea typeface="Lucida Console" charset="0"/>
-              <a:cs typeface="Lucida Console" charset="0"/>
-            </a:endParaRPr>
-          </a:p>
-          <a:p>
-            <a:r>
-              <a:rPr lang="en-US" dirty="0" smtClean="0">
-                <a:latin typeface="Lucida Console" charset="0"/>
-                <a:ea typeface="Lucida Console" charset="0"/>
-                <a:cs typeface="Lucida Console" charset="0"/>
-              </a:rPr>
-              <a:t>    </a:t>
-            </a:r>
-            <a:r>
-              <a:rPr lang="en-US" dirty="0" smtClean="0">
-                <a:solidFill>
-                  <a:schemeClr val="accent2">
-                    <a:lumMod val="75000"/>
-                  </a:schemeClr>
-                </a:solidFill>
-                <a:latin typeface="Lucida Console" charset="0"/>
-                <a:ea typeface="Lucida Console" charset="0"/>
-                <a:cs typeface="Lucida Console" charset="0"/>
-              </a:rPr>
-              <a:t>for</a:t>
-            </a:r>
-            <a:r>
-              <a:rPr lang="en-US" dirty="0" smtClean="0">
-                <a:latin typeface="Lucida Console" charset="0"/>
-                <a:ea typeface="Lucida Console" charset="0"/>
-                <a:cs typeface="Lucida Console" charset="0"/>
-              </a:rPr>
-              <a:t> (</a:t>
-            </a:r>
-            <a:r>
-              <a:rPr lang="en-US" dirty="0" err="1" smtClean="0">
-                <a:solidFill>
-                  <a:schemeClr val="accent2">
-                    <a:lumMod val="75000"/>
-                  </a:schemeClr>
-                </a:solidFill>
-                <a:latin typeface="Lucida Console" charset="0"/>
-                <a:ea typeface="Lucida Console" charset="0"/>
-                <a:cs typeface="Lucida Console" charset="0"/>
-              </a:rPr>
-              <a:t>int</a:t>
-            </a:r>
-            <a:r>
-              <a:rPr lang="en-US" dirty="0" smtClean="0">
-                <a:solidFill>
-                  <a:schemeClr val="accent2">
-                    <a:lumMod val="75000"/>
-                  </a:schemeClr>
-                </a:solidFill>
-                <a:latin typeface="Lucida Console" charset="0"/>
-                <a:ea typeface="Lucida Console" charset="0"/>
-                <a:cs typeface="Lucida Console" charset="0"/>
-              </a:rPr>
-              <a:t> </a:t>
-            </a:r>
-            <a:r>
-              <a:rPr lang="en-US" dirty="0" err="1" smtClean="0">
-                <a:latin typeface="Lucida Console" charset="0"/>
-                <a:ea typeface="Lucida Console" charset="0"/>
-                <a:cs typeface="Lucida Console" charset="0"/>
-              </a:rPr>
-              <a:t>i</a:t>
-            </a:r>
-            <a:r>
-              <a:rPr lang="en-US" dirty="0" smtClean="0">
-                <a:latin typeface="Lucida Console" charset="0"/>
-                <a:ea typeface="Lucida Console" charset="0"/>
-                <a:cs typeface="Lucida Console" charset="0"/>
-              </a:rPr>
-              <a:t> = 0; </a:t>
-            </a:r>
-            <a:r>
-              <a:rPr lang="en-US" dirty="0" err="1" smtClean="0">
-                <a:latin typeface="Lucida Console" charset="0"/>
-                <a:ea typeface="Lucida Console" charset="0"/>
-                <a:cs typeface="Lucida Console" charset="0"/>
-              </a:rPr>
-              <a:t>i</a:t>
-            </a:r>
-            <a:r>
-              <a:rPr lang="en-US" dirty="0" smtClean="0">
-                <a:latin typeface="Lucida Console" charset="0"/>
-                <a:ea typeface="Lucida Console" charset="0"/>
-                <a:cs typeface="Lucida Console" charset="0"/>
-              </a:rPr>
-              <a:t> &lt; 5; </a:t>
-            </a:r>
-            <a:r>
-              <a:rPr lang="en-US" dirty="0" err="1" smtClean="0">
-                <a:latin typeface="Lucida Console" charset="0"/>
-                <a:ea typeface="Lucida Console" charset="0"/>
-                <a:cs typeface="Lucida Console" charset="0"/>
-              </a:rPr>
-              <a:t>i</a:t>
-            </a:r>
-            <a:r>
-              <a:rPr lang="en-US" dirty="0" smtClean="0">
-                <a:latin typeface="Lucida Console" charset="0"/>
-                <a:ea typeface="Lucida Console" charset="0"/>
-                <a:cs typeface="Lucida Console" charset="0"/>
-              </a:rPr>
-              <a:t>++) {</a:t>
-            </a:r>
-          </a:p>
-          <a:p>
-            <a:r>
-              <a:rPr lang="en-US" dirty="0">
-                <a:latin typeface="Lucida Console" charset="0"/>
-                <a:ea typeface="Lucida Console" charset="0"/>
-                <a:cs typeface="Lucida Console" charset="0"/>
-              </a:rPr>
-              <a:t> </a:t>
-            </a:r>
-            <a:r>
-              <a:rPr lang="en-US" dirty="0" smtClean="0">
-                <a:latin typeface="Lucida Console" charset="0"/>
-                <a:ea typeface="Lucida Console" charset="0"/>
-                <a:cs typeface="Lucida Console" charset="0"/>
-              </a:rPr>
-              <a:t>        </a:t>
-            </a:r>
-            <a:r>
-              <a:rPr lang="en-US" dirty="0" err="1" smtClean="0">
-                <a:latin typeface="Lucida Console" charset="0"/>
-                <a:ea typeface="Lucida Console" charset="0"/>
-                <a:cs typeface="Lucida Console" charset="0"/>
-              </a:rPr>
-              <a:t>printf</a:t>
-            </a:r>
-            <a:r>
-              <a:rPr lang="en-US" dirty="0" smtClean="0">
-                <a:latin typeface="Lucida Console" charset="0"/>
-                <a:ea typeface="Lucida Console" charset="0"/>
-                <a:cs typeface="Lucida Console" charset="0"/>
-              </a:rPr>
-              <a:t>(“%</a:t>
-            </a:r>
-            <a:r>
-              <a:rPr lang="en-US" dirty="0" smtClean="0">
-                <a:latin typeface="Lucida Console" charset="0"/>
-                <a:ea typeface="Lucida Console" charset="0"/>
-                <a:cs typeface="Lucida Console" charset="0"/>
-              </a:rPr>
-              <a:t>c</a:t>
-            </a:r>
-            <a:r>
-              <a:rPr lang="en-US" dirty="0" smtClean="0">
-                <a:latin typeface="Lucida Console" charset="0"/>
-                <a:ea typeface="Lucida Console" charset="0"/>
-                <a:cs typeface="Lucida Console" charset="0"/>
-              </a:rPr>
-              <a:t>\n</a:t>
-            </a:r>
-            <a:r>
-              <a:rPr lang="en-US" dirty="0">
-                <a:latin typeface="Lucida Console" charset="0"/>
-                <a:ea typeface="Lucida Console" charset="0"/>
-                <a:cs typeface="Lucida Console" charset="0"/>
-              </a:rPr>
-              <a:t>”, </a:t>
-            </a:r>
-            <a:r>
-              <a:rPr lang="en-US" dirty="0" smtClean="0">
-                <a:latin typeface="Lucida Console" charset="0"/>
-                <a:ea typeface="Lucida Console" charset="0"/>
-                <a:cs typeface="Lucida Console" charset="0"/>
-              </a:rPr>
-              <a:t>word[</a:t>
-            </a:r>
-            <a:r>
-              <a:rPr lang="en-US" dirty="0" err="1" smtClean="0">
-                <a:latin typeface="Lucida Console" charset="0"/>
-                <a:ea typeface="Lucida Console" charset="0"/>
-                <a:cs typeface="Lucida Console" charset="0"/>
-              </a:rPr>
-              <a:t>i</a:t>
-            </a:r>
-            <a:r>
-              <a:rPr lang="en-US" dirty="0" smtClean="0">
-                <a:latin typeface="Lucida Console" charset="0"/>
-                <a:ea typeface="Lucida Console" charset="0"/>
-                <a:cs typeface="Lucida Console" charset="0"/>
-              </a:rPr>
-              <a:t>]);</a:t>
-            </a:r>
-            <a:endParaRPr lang="en-US" dirty="0" smtClean="0">
-              <a:latin typeface="Lucida Console" charset="0"/>
-              <a:ea typeface="Lucida Console" charset="0"/>
-              <a:cs typeface="Lucida Console" charset="0"/>
-            </a:endParaRPr>
-          </a:p>
-          <a:p>
-            <a:r>
-              <a:rPr lang="en-US" dirty="0" smtClean="0">
-                <a:latin typeface="Lucida Console" charset="0"/>
-                <a:ea typeface="Lucida Console" charset="0"/>
-                <a:cs typeface="Lucida Console" charset="0"/>
-              </a:rPr>
-              <a:t>    }</a:t>
-            </a:r>
-          </a:p>
-          <a:p>
-            <a:r>
-              <a:rPr lang="en-US" dirty="0">
-                <a:latin typeface="Lucida Console" charset="0"/>
-                <a:ea typeface="Lucida Console" charset="0"/>
-                <a:cs typeface="Lucida Console" charset="0"/>
-              </a:rPr>
-              <a:t> </a:t>
-            </a:r>
-            <a:r>
-              <a:rPr lang="en-US" dirty="0" smtClean="0">
-                <a:latin typeface="Lucida Console" charset="0"/>
-                <a:ea typeface="Lucida Console" charset="0"/>
-                <a:cs typeface="Lucida Console" charset="0"/>
-              </a:rPr>
-              <a:t>   </a:t>
-            </a:r>
-          </a:p>
-          <a:p>
-            <a:r>
-              <a:rPr lang="en-US" dirty="0">
-                <a:latin typeface="Lucida Console" charset="0"/>
-                <a:ea typeface="Lucida Console" charset="0"/>
-                <a:cs typeface="Lucida Console" charset="0"/>
-              </a:rPr>
-              <a:t> </a:t>
-            </a:r>
-            <a:r>
-              <a:rPr lang="en-US" dirty="0" smtClean="0">
-                <a:latin typeface="Lucida Console" charset="0"/>
-                <a:ea typeface="Lucida Console" charset="0"/>
-                <a:cs typeface="Lucida Console" charset="0"/>
-              </a:rPr>
-              <a:t>   </a:t>
-            </a:r>
-            <a:r>
-              <a:rPr lang="en-US" dirty="0" smtClean="0">
-                <a:solidFill>
-                  <a:schemeClr val="accent2">
-                    <a:lumMod val="75000"/>
-                  </a:schemeClr>
-                </a:solidFill>
-                <a:latin typeface="Lucida Console" charset="0"/>
-                <a:ea typeface="Lucida Console" charset="0"/>
-                <a:cs typeface="Lucida Console" charset="0"/>
-              </a:rPr>
-              <a:t>return </a:t>
-            </a:r>
-            <a:r>
-              <a:rPr lang="en-US" dirty="0" smtClean="0">
-                <a:latin typeface="Lucida Console" charset="0"/>
-                <a:ea typeface="Lucida Console" charset="0"/>
-                <a:cs typeface="Lucida Console" charset="0"/>
-              </a:rPr>
-              <a:t>0; </a:t>
-            </a:r>
-          </a:p>
-          <a:p>
-            <a:r>
-              <a:rPr lang="en-US" dirty="0" smtClean="0">
-                <a:latin typeface="Lucida Console" charset="0"/>
-                <a:ea typeface="Lucida Console" charset="0"/>
-                <a:cs typeface="Lucida Console" charset="0"/>
-              </a:rPr>
-              <a:t>}</a:t>
-            </a:r>
-          </a:p>
-        </p:txBody>
-      </p:sp>
-    </p:spTree>
-    <p:extLst>
-      <p:ext uri="{BB962C8B-B14F-4D97-AF65-F5344CB8AC3E}">
-        <p14:creationId xmlns:p14="http://schemas.microsoft.com/office/powerpoint/2010/main" val="2080487564"/>
-      </p:ext>
-    </p:extLst>
-  </p:cSld>
-  <p:clrMapOvr>
-    <a:masterClrMapping/>
-  </p:clrMapOvr>
-  <mc:AlternateContent xmlns:mc="http://schemas.openxmlformats.org/markup-compatibility/2006" xmlns:p14="http://schemas.microsoft.com/office/powerpoint/2010/main">
-    <mc:Choice Requires="p14">
-      <p:transition p14:dur="0"/>
-    </mc:Choice>
-    <mc:Fallback xmlns="">
-      <p:transition/>
-    </mc:Fallback>
-  </mc:AlternateContent>
-  <p:timing>
-    <p:tnLst>
-      <p:par>
-        <p:cTn id="1" dur="indefinite" restart="never" nodeType="tmRoot"/>
-      </p:par>
-    </p:tnLst>
-  </p:timing>
-</p:sld>
-</file>
-
 <file path=ppt/slides/slide24.xml><?xml version="1.0" encoding="utf-8"?>
 <p:sld xmlns:a="http://schemas.openxmlformats.org/drawingml/2006/main" xmlns:r="http://schemas.openxmlformats.org/officeDocument/2006/relationships" xmlns:p="http://schemas.openxmlformats.org/presentationml/2006/main">
   <p:cSld>
@@ -13826,20 +13808,16 @@
           <a:lstStyle/>
           <a:p>
             <a:r>
-              <a:rPr lang="ru-RU" dirty="0"/>
+              <a:rPr lang="ru-RU" dirty="0" smtClean="0"/>
               <a:t>Массивы</a:t>
             </a:r>
             <a:r>
-              <a:rPr lang="en-US" dirty="0"/>
+              <a:rPr lang="en-US" dirty="0" smtClean="0"/>
               <a:t>::</a:t>
             </a:r>
             <a:r>
-              <a:rPr lang="ru-RU" dirty="0"/>
-              <a:t>Си-строка </a:t>
-            </a:r>
-            <a:r>
               <a:rPr lang="ru-RU" dirty="0" smtClean="0"/>
-              <a:t/>
+              <a:t>Си-строка</a:t>
             </a:r>
             <a:br>
               <a:rPr lang="ru-RU" dirty="0" smtClean="0"/>
@@ -13854,39 +13832,428 @@
       </p:sp>
       <p:sp>
         <p:nvSpPr>
-          <p:cNvPr id="22" name="Content Placeholder 2"/>
-          <p:cNvSpPr>
-            <a:spLocks noGrp="1"/>
-          </p:cNvSpPr>
-          <p:nvPr>
-            <p:ph idx="1"/>
-          </p:nvPr>
+          <p:cNvPr id="19" name="TextBox 18"/>
+          <p:cNvSpPr txBox="1"/>
+          <p:nvPr/>
         </p:nvSpPr>
         <p:spPr>
           <a:xfrm>
-            <a:off x="838200" y="1825625"/>
-            <a:ext cx="10515600" cy="4351338"/>
+            <a:off x="3353903" y="2281233"/>
+            <a:ext cx="4926349" cy="3416320"/>
           </a:xfrm>
+          <a:prstGeom prst="rect">
+            <a:avLst/>
+          </a:prstGeom>
+          <a:noFill/>
         </p:spPr>
         <p:txBody>
-          <a:bodyPr anchor="ctr"/>
+          <a:bodyPr wrap="none" rtlCol="0">
+            <a:spAutoFit/>
+          </a:bodyPr>
           <a:lstStyle/>
           <a:p>
-            <a:pPr marL="0" indent="0" algn="ctr">
-              <a:buNone/>
-            </a:pPr>
-            <a:r>
-              <a:rPr lang="ru-RU" sz="5400" dirty="0" err="1" smtClean="0"/>
-              <a:t>Демо</a:t>
-            </a:r>
-            <a:endParaRPr lang="en-US" dirty="0"/>
+            <a:r>
+              <a:rPr lang="en-US" dirty="0" smtClean="0">
+                <a:latin typeface="Lucida Console" charset="0"/>
+                <a:ea typeface="Lucida Console" charset="0"/>
+                <a:cs typeface="Lucida Console" charset="0"/>
+              </a:rPr>
+              <a:t>#include &lt;</a:t>
+            </a:r>
+            <a:r>
+              <a:rPr lang="en-US" dirty="0" err="1" smtClean="0">
+                <a:latin typeface="Lucida Console" charset="0"/>
+                <a:ea typeface="Lucida Console" charset="0"/>
+                <a:cs typeface="Lucida Console" charset="0"/>
+              </a:rPr>
+              <a:t>stdio.h</a:t>
+            </a:r>
+            <a:r>
+              <a:rPr lang="en-US" dirty="0" smtClean="0">
+                <a:latin typeface="Lucida Console" charset="0"/>
+                <a:ea typeface="Lucida Console" charset="0"/>
+                <a:cs typeface="Lucida Console" charset="0"/>
+              </a:rPr>
+              <a:t>&gt;</a:t>
+            </a:r>
+          </a:p>
+          <a:p>
+            <a:endParaRPr lang="en-US" dirty="0" smtClean="0">
+              <a:latin typeface="Lucida Console" charset="0"/>
+              <a:ea typeface="Lucida Console" charset="0"/>
+              <a:cs typeface="Lucida Console" charset="0"/>
+            </a:endParaRPr>
+          </a:p>
+          <a:p>
+            <a:r>
+              <a:rPr lang="en-US" dirty="0" err="1" smtClean="0">
+                <a:solidFill>
+                  <a:schemeClr val="accent2">
+                    <a:lumMod val="75000"/>
+                  </a:schemeClr>
+                </a:solidFill>
+                <a:latin typeface="Lucida Console" charset="0"/>
+                <a:ea typeface="Lucida Console" charset="0"/>
+                <a:cs typeface="Lucida Console" charset="0"/>
+              </a:rPr>
+              <a:t>int</a:t>
+            </a:r>
+            <a:r>
+              <a:rPr lang="en-US" dirty="0" smtClean="0">
+                <a:solidFill>
+                  <a:schemeClr val="accent2">
+                    <a:lumMod val="75000"/>
+                  </a:schemeClr>
+                </a:solidFill>
+                <a:latin typeface="Lucida Console" charset="0"/>
+                <a:ea typeface="Lucida Console" charset="0"/>
+                <a:cs typeface="Lucida Console" charset="0"/>
+              </a:rPr>
+              <a:t> </a:t>
+            </a:r>
+            <a:r>
+              <a:rPr lang="en-US" dirty="0" smtClean="0">
+                <a:latin typeface="Lucida Console" charset="0"/>
+                <a:ea typeface="Lucida Console" charset="0"/>
+                <a:cs typeface="Lucida Console" charset="0"/>
+              </a:rPr>
+              <a:t>main()</a:t>
+            </a:r>
+          </a:p>
+          <a:p>
+            <a:r>
+              <a:rPr lang="en-US" dirty="0" smtClean="0">
+                <a:latin typeface="Lucida Console" charset="0"/>
+                <a:ea typeface="Lucida Console" charset="0"/>
+                <a:cs typeface="Lucida Console" charset="0"/>
+              </a:rPr>
+              <a:t>{</a:t>
+            </a:r>
+          </a:p>
+          <a:p>
+            <a:r>
+              <a:rPr lang="en-US" dirty="0" smtClean="0">
+                <a:latin typeface="Lucida Console" charset="0"/>
+                <a:ea typeface="Lucida Console" charset="0"/>
+                <a:cs typeface="Lucida Console" charset="0"/>
+              </a:rPr>
+              <a:t>    </a:t>
+            </a:r>
+            <a:r>
+              <a:rPr lang="en-US" dirty="0" smtClean="0">
+                <a:solidFill>
+                  <a:schemeClr val="accent2">
+                    <a:lumMod val="75000"/>
+                  </a:schemeClr>
+                </a:solidFill>
+                <a:latin typeface="Lucida Console" charset="0"/>
+                <a:ea typeface="Lucida Console" charset="0"/>
+                <a:cs typeface="Lucida Console" charset="0"/>
+              </a:rPr>
+              <a:t>char </a:t>
+            </a:r>
+            <a:r>
+              <a:rPr lang="en-US" dirty="0" smtClean="0">
+                <a:latin typeface="Lucida Console" charset="0"/>
+                <a:ea typeface="Lucida Console" charset="0"/>
+                <a:cs typeface="Lucida Console" charset="0"/>
+              </a:rPr>
+              <a:t>word[]</a:t>
+            </a:r>
+            <a:r>
+              <a:rPr lang="ru-RU" dirty="0" smtClean="0">
+                <a:latin typeface="Lucida Console" charset="0"/>
+                <a:ea typeface="Lucida Console" charset="0"/>
+                <a:cs typeface="Lucida Console" charset="0"/>
+              </a:rPr>
+              <a:t> </a:t>
+            </a:r>
+            <a:r>
+              <a:rPr lang="en-US" dirty="0" smtClean="0">
+                <a:latin typeface="Lucida Console" charset="0"/>
+                <a:ea typeface="Lucida Console" charset="0"/>
+                <a:cs typeface="Lucida Console" charset="0"/>
+              </a:rPr>
+              <a:t>= “Hello”;</a:t>
+            </a:r>
+          </a:p>
+          <a:p>
+            <a:r>
+              <a:rPr lang="en-US" dirty="0">
+                <a:latin typeface="Lucida Console" charset="0"/>
+                <a:ea typeface="Lucida Console" charset="0"/>
+                <a:cs typeface="Lucida Console" charset="0"/>
+              </a:rPr>
+              <a:t> </a:t>
+            </a:r>
+            <a:r>
+              <a:rPr lang="en-US" dirty="0" smtClean="0">
+                <a:latin typeface="Lucida Console" charset="0"/>
+                <a:ea typeface="Lucida Console" charset="0"/>
+                <a:cs typeface="Lucida Console" charset="0"/>
+              </a:rPr>
+              <a:t>      </a:t>
+            </a:r>
+            <a:endParaRPr lang="en-US" dirty="0">
+              <a:latin typeface="Lucida Console" charset="0"/>
+              <a:ea typeface="Lucida Console" charset="0"/>
+              <a:cs typeface="Lucida Console" charset="0"/>
+            </a:endParaRPr>
+          </a:p>
+          <a:p>
+            <a:r>
+              <a:rPr lang="en-US" dirty="0" smtClean="0">
+                <a:latin typeface="Lucida Console" charset="0"/>
+                <a:ea typeface="Lucida Console" charset="0"/>
+                <a:cs typeface="Lucida Console" charset="0"/>
+              </a:rPr>
+              <a:t>    </a:t>
+            </a:r>
+            <a:r>
+              <a:rPr lang="en-US" dirty="0" smtClean="0">
+                <a:solidFill>
+                  <a:schemeClr val="accent2">
+                    <a:lumMod val="75000"/>
+                  </a:schemeClr>
+                </a:solidFill>
+                <a:latin typeface="Lucida Console" charset="0"/>
+                <a:ea typeface="Lucida Console" charset="0"/>
+                <a:cs typeface="Lucida Console" charset="0"/>
+              </a:rPr>
+              <a:t>for</a:t>
+            </a:r>
+            <a:r>
+              <a:rPr lang="en-US" dirty="0" smtClean="0">
+                <a:latin typeface="Lucida Console" charset="0"/>
+                <a:ea typeface="Lucida Console" charset="0"/>
+                <a:cs typeface="Lucida Console" charset="0"/>
+              </a:rPr>
+              <a:t> (</a:t>
+            </a:r>
+            <a:r>
+              <a:rPr lang="en-US" dirty="0" err="1" smtClean="0">
+                <a:solidFill>
+                  <a:schemeClr val="accent2">
+                    <a:lumMod val="75000"/>
+                  </a:schemeClr>
+                </a:solidFill>
+                <a:latin typeface="Lucida Console" charset="0"/>
+                <a:ea typeface="Lucida Console" charset="0"/>
+                <a:cs typeface="Lucida Console" charset="0"/>
+              </a:rPr>
+              <a:t>int</a:t>
+            </a:r>
+            <a:r>
+              <a:rPr lang="en-US" dirty="0" smtClean="0">
+                <a:solidFill>
+                  <a:schemeClr val="accent2">
+                    <a:lumMod val="75000"/>
+                  </a:schemeClr>
+                </a:solidFill>
+                <a:latin typeface="Lucida Console" charset="0"/>
+                <a:ea typeface="Lucida Console" charset="0"/>
+                <a:cs typeface="Lucida Console" charset="0"/>
+              </a:rPr>
+              <a:t> </a:t>
+            </a:r>
+            <a:r>
+              <a:rPr lang="en-US" dirty="0" err="1" smtClean="0">
+                <a:latin typeface="Lucida Console" charset="0"/>
+                <a:ea typeface="Lucida Console" charset="0"/>
+                <a:cs typeface="Lucida Console" charset="0"/>
+              </a:rPr>
+              <a:t>i</a:t>
+            </a:r>
+            <a:r>
+              <a:rPr lang="en-US" dirty="0" smtClean="0">
+                <a:latin typeface="Lucida Console" charset="0"/>
+                <a:ea typeface="Lucida Console" charset="0"/>
+                <a:cs typeface="Lucida Console" charset="0"/>
+              </a:rPr>
+              <a:t> = 0; </a:t>
+            </a:r>
+            <a:r>
+              <a:rPr lang="en-US" dirty="0" err="1" smtClean="0">
+                <a:latin typeface="Lucida Console" charset="0"/>
+                <a:ea typeface="Lucida Console" charset="0"/>
+                <a:cs typeface="Lucida Console" charset="0"/>
+              </a:rPr>
+              <a:t>i</a:t>
+            </a:r>
+            <a:r>
+              <a:rPr lang="en-US" dirty="0" smtClean="0">
+                <a:latin typeface="Lucida Console" charset="0"/>
+                <a:ea typeface="Lucida Console" charset="0"/>
+                <a:cs typeface="Lucida Console" charset="0"/>
+              </a:rPr>
+              <a:t> &lt; 5; </a:t>
+            </a:r>
+            <a:r>
+              <a:rPr lang="en-US" dirty="0" err="1" smtClean="0">
+                <a:latin typeface="Lucida Console" charset="0"/>
+                <a:ea typeface="Lucida Console" charset="0"/>
+                <a:cs typeface="Lucida Console" charset="0"/>
+              </a:rPr>
+              <a:t>i</a:t>
+            </a:r>
+            <a:r>
+              <a:rPr lang="en-US" dirty="0" smtClean="0">
+                <a:latin typeface="Lucida Console" charset="0"/>
+                <a:ea typeface="Lucida Console" charset="0"/>
+                <a:cs typeface="Lucida Console" charset="0"/>
+              </a:rPr>
+              <a:t>++) {</a:t>
+            </a:r>
+          </a:p>
+          <a:p>
+            <a:r>
+              <a:rPr lang="en-US" dirty="0">
+                <a:latin typeface="Lucida Console" charset="0"/>
+                <a:ea typeface="Lucida Console" charset="0"/>
+                <a:cs typeface="Lucida Console" charset="0"/>
+              </a:rPr>
+              <a:t> </a:t>
+            </a:r>
+            <a:r>
+              <a:rPr lang="en-US" dirty="0" smtClean="0">
+                <a:latin typeface="Lucida Console" charset="0"/>
+                <a:ea typeface="Lucida Console" charset="0"/>
+                <a:cs typeface="Lucida Console" charset="0"/>
+              </a:rPr>
+              <a:t>        </a:t>
+            </a:r>
+            <a:r>
+              <a:rPr lang="en-US" dirty="0" err="1" smtClean="0">
+                <a:latin typeface="Lucida Console" charset="0"/>
+                <a:ea typeface="Lucida Console" charset="0"/>
+                <a:cs typeface="Lucida Console" charset="0"/>
+              </a:rPr>
+              <a:t>printf</a:t>
+            </a:r>
+            <a:r>
+              <a:rPr lang="en-US" dirty="0" smtClean="0">
+                <a:latin typeface="Lucida Console" charset="0"/>
+                <a:ea typeface="Lucida Console" charset="0"/>
+                <a:cs typeface="Lucida Console" charset="0"/>
+              </a:rPr>
+              <a:t>(“%c\n</a:t>
+            </a:r>
+            <a:r>
+              <a:rPr lang="en-US" dirty="0">
+                <a:latin typeface="Lucida Console" charset="0"/>
+                <a:ea typeface="Lucida Console" charset="0"/>
+                <a:cs typeface="Lucida Console" charset="0"/>
+              </a:rPr>
+              <a:t>”, </a:t>
+            </a:r>
+            <a:r>
+              <a:rPr lang="en-US" dirty="0" smtClean="0">
+                <a:latin typeface="Lucida Console" charset="0"/>
+                <a:ea typeface="Lucida Console" charset="0"/>
+                <a:cs typeface="Lucida Console" charset="0"/>
+              </a:rPr>
+              <a:t>word[</a:t>
+            </a:r>
+            <a:r>
+              <a:rPr lang="en-US" dirty="0" err="1" smtClean="0">
+                <a:latin typeface="Lucida Console" charset="0"/>
+                <a:ea typeface="Lucida Console" charset="0"/>
+                <a:cs typeface="Lucida Console" charset="0"/>
+              </a:rPr>
+              <a:t>i</a:t>
+            </a:r>
+            <a:r>
+              <a:rPr lang="en-US" dirty="0" smtClean="0">
+                <a:latin typeface="Lucida Console" charset="0"/>
+                <a:ea typeface="Lucida Console" charset="0"/>
+                <a:cs typeface="Lucida Console" charset="0"/>
+              </a:rPr>
+              <a:t>]);</a:t>
+            </a:r>
+          </a:p>
+          <a:p>
+            <a:r>
+              <a:rPr lang="en-US" dirty="0" smtClean="0">
+                <a:latin typeface="Lucida Console" charset="0"/>
+                <a:ea typeface="Lucida Console" charset="0"/>
+                <a:cs typeface="Lucida Console" charset="0"/>
+              </a:rPr>
+              <a:t>    }</a:t>
+            </a:r>
+          </a:p>
+          <a:p>
+            <a:r>
+              <a:rPr lang="en-US" dirty="0">
+                <a:latin typeface="Lucida Console" charset="0"/>
+                <a:ea typeface="Lucida Console" charset="0"/>
+                <a:cs typeface="Lucida Console" charset="0"/>
+              </a:rPr>
+              <a:t> </a:t>
+            </a:r>
+            <a:r>
+              <a:rPr lang="en-US" dirty="0" smtClean="0">
+                <a:latin typeface="Lucida Console" charset="0"/>
+                <a:ea typeface="Lucida Console" charset="0"/>
+                <a:cs typeface="Lucida Console" charset="0"/>
+              </a:rPr>
+              <a:t>   </a:t>
+            </a:r>
+          </a:p>
+          <a:p>
+            <a:r>
+              <a:rPr lang="en-US" dirty="0">
+                <a:latin typeface="Lucida Console" charset="0"/>
+                <a:ea typeface="Lucida Console" charset="0"/>
+                <a:cs typeface="Lucida Console" charset="0"/>
+              </a:rPr>
+              <a:t> </a:t>
+            </a:r>
+            <a:r>
+              <a:rPr lang="en-US" dirty="0" smtClean="0">
+                <a:latin typeface="Lucida Console" charset="0"/>
+                <a:ea typeface="Lucida Console" charset="0"/>
+                <a:cs typeface="Lucida Console" charset="0"/>
+              </a:rPr>
+              <a:t>   </a:t>
+            </a:r>
+            <a:r>
+              <a:rPr lang="en-US" dirty="0" smtClean="0">
+                <a:solidFill>
+                  <a:schemeClr val="accent2">
+                    <a:lumMod val="75000"/>
+                  </a:schemeClr>
+                </a:solidFill>
+                <a:latin typeface="Lucida Console" charset="0"/>
+                <a:ea typeface="Lucida Console" charset="0"/>
+                <a:cs typeface="Lucida Console" charset="0"/>
+              </a:rPr>
+              <a:t>return </a:t>
+            </a:r>
+            <a:r>
+              <a:rPr lang="en-US" dirty="0" smtClean="0">
+                <a:latin typeface="Lucida Console" charset="0"/>
+                <a:ea typeface="Lucida Console" charset="0"/>
+                <a:cs typeface="Lucida Console" charset="0"/>
+              </a:rPr>
+              <a:t>0; </a:t>
+            </a:r>
+          </a:p>
+          <a:p>
+            <a:r>
+              <a:rPr lang="en-US" dirty="0" smtClean="0">
+                <a:latin typeface="Lucida Console" charset="0"/>
+                <a:ea typeface="Lucida Console" charset="0"/>
+                <a:cs typeface="Lucida Console" charset="0"/>
+              </a:rPr>
+              <a:t>}</a:t>
+            </a:r>
           </a:p>
         </p:txBody>
       </p:sp>
     </p:spTree>
     <p:extLst>
       <p:ext uri="{BB962C8B-B14F-4D97-AF65-F5344CB8AC3E}">
-        <p14:creationId xmlns:p14="http://schemas.microsoft.com/office/powerpoint/2010/main" val="1769391817"/>
+        <p14:creationId xmlns:p14="http://schemas.microsoft.com/office/powerpoint/2010/main" val="2080487564"/>
       </p:ext>
     </p:extLst>
   </p:cSld>
@@ -13946,12 +14313,128 @@
           <a:lstStyle/>
           <a:p>
             <a:r>
+              <a:rPr lang="ru-RU" dirty="0"/>
+              <a:t>Массивы</a:t>
+            </a:r>
+            <a:r>
+              <a:rPr lang="en-US" dirty="0"/>
+              <a:t>::</a:t>
+            </a:r>
+            <a:r>
+              <a:rPr lang="ru-RU" dirty="0"/>
+              <a:t>Си-строка </a:t>
+            </a:r>
+            <a:r>
+              <a:rPr lang="ru-RU" dirty="0" smtClean="0"/>
+              <a:t/>
+            </a:r>
+            <a:br>
+              <a:rPr lang="ru-RU" dirty="0" smtClean="0"/>
+            </a:br>
+            <a:r>
+              <a:rPr lang="ru-RU" dirty="0" smtClean="0"/>
+              <a:t>------------------------------------------------------------</a:t>
+            </a:r>
+            <a:endParaRPr lang="en-US" dirty="0"/>
+          </a:p>
+        </p:txBody>
+      </p:sp>
+      <p:sp>
+        <p:nvSpPr>
+          <p:cNvPr id="22" name="Content Placeholder 2"/>
+          <p:cNvSpPr>
+            <a:spLocks noGrp="1"/>
+          </p:cNvSpPr>
+          <p:nvPr>
+            <p:ph idx="1"/>
+          </p:nvPr>
+        </p:nvSpPr>
+        <p:spPr>
+          <a:xfrm>
+            <a:off x="838200" y="1825625"/>
+            <a:ext cx="10515600" cy="4351338"/>
+          </a:xfrm>
+        </p:spPr>
+        <p:txBody>
+          <a:bodyPr anchor="ctr"/>
+          <a:lstStyle/>
+          <a:p>
+            <a:pPr marL="0" indent="0" algn="ctr">
+              <a:buNone/>
+            </a:pPr>
+            <a:r>
+              <a:rPr lang="ru-RU" sz="5400" dirty="0" err="1" smtClean="0"/>
+              <a:t>Демо</a:t>
+            </a:r>
+            <a:endParaRPr lang="en-US" dirty="0"/>
+          </a:p>
+        </p:txBody>
+      </p:sp>
+    </p:spTree>
+    <p:extLst>
+      <p:ext uri="{BB962C8B-B14F-4D97-AF65-F5344CB8AC3E}">
+        <p14:creationId xmlns:p14="http://schemas.microsoft.com/office/powerpoint/2010/main" val="1769391817"/>
+      </p:ext>
+    </p:extLst>
+  </p:cSld>
+  <p:clrMapOvr>
+    <a:masterClrMapping/>
+  </p:clrMapOvr>
+  <mc:AlternateContent xmlns:mc="http://schemas.openxmlformats.org/markup-compatibility/2006" xmlns:p14="http://schemas.microsoft.com/office/powerpoint/2010/main">
+    <mc:Choice Requires="p14">
+      <p:transition p14:dur="0"/>
+    </mc:Choice>
+    <mc:Fallback xmlns="">
+      <p:transition/>
+    </mc:Fallback>
+  </mc:AlternateContent>
+  <p:timing>
+    <p:tnLst>
+      <p:par>
+        <p:cTn id="1" dur="indefinite" restart="never" nodeType="tmRoot"/>
+      </p:par>
+    </p:tnLst>
+  </p:timing>
+</p:sld>
+</file>
+
+<file path=ppt/slides/slide26.xml><?xml version="1.0" encoding="utf-8"?>
+<p:sld xmlns:a="http://schemas.openxmlformats.org/drawingml/2006/main" xmlns:r="http://schemas.openxmlformats.org/officeDocument/2006/relationships" xmlns:p="http://schemas.openxmlformats.org/presentationml/2006/main">
+  <p:cSld>
+    <p:spTree>
+      <p:nvGrpSpPr>
+        <p:cNvPr id="1" name=""/>
+        <p:cNvGrpSpPr/>
+        <p:nvPr/>
+      </p:nvGrpSpPr>
+      <p:grpSpPr>
+        <a:xfrm>
+          <a:off x="0" y="0"/>
+          <a:ext cx="0" cy="0"/>
+          <a:chOff x="0" y="0"/>
+          <a:chExt cx="0" cy="0"/>
+        </a:xfrm>
+      </p:grpSpPr>
+      <p:sp>
+        <p:nvSpPr>
+          <p:cNvPr id="2" name="Title 1"/>
+          <p:cNvSpPr>
+            <a:spLocks noGrp="1"/>
+          </p:cNvSpPr>
+          <p:nvPr>
+            <p:ph type="title"/>
+          </p:nvPr>
+        </p:nvSpPr>
+        <p:spPr/>
+        <p:txBody>
+          <a:bodyPr>
+            <a:normAutofit/>
+          </a:bodyPr>
+          <a:lstStyle/>
+          <a:p>
+            <a:r>
               <a:rPr lang="ru-RU" dirty="0" smtClean="0"/>
               <a:t>Итог</a:t>
-            </a:r>
-            <a:r>
-              <a:rPr lang="ru-RU" dirty="0" smtClean="0"/>
-              <a:t/>
             </a:r>
             <a:br>
               <a:rPr lang="ru-RU" dirty="0" smtClean="0"/>
@@ -14056,11 +14539,7 @@
             </a:r>
             <a:r>
               <a:rPr lang="ru-RU" sz="2000" dirty="0" smtClean="0"/>
-              <a:t>служат для ветвления </a:t>
-            </a:r>
-            <a:r>
-              <a:rPr lang="ru-RU" sz="2000" dirty="0" smtClean="0"/>
-              <a:t>программы</a:t>
+              <a:t>служат для ветвления программы</a:t>
             </a:r>
             <a:endParaRPr lang="en-US" sz="2000" dirty="0" smtClean="0"/>
           </a:p>
@@ -14109,11 +14588,7 @@
             </a:r>
             <a:r>
               <a:rPr lang="ru-RU" sz="2000" dirty="0" smtClean="0"/>
-              <a:t>, а также </a:t>
-            </a:r>
-            <a:r>
-              <a:rPr lang="ru-RU" sz="2000" dirty="0" smtClean="0"/>
-              <a:t>конструкцию </a:t>
+              <a:t>, а также конструкцию </a:t>
             </a:r>
             <a:r>
               <a:rPr lang="en-US" sz="2000" dirty="0" smtClean="0">
@@ -14525,7 +15000,7 @@
 </p:sld>
 </file>
 
-<file path=ppt/slides/slide26.xml><?xml version="1.0" encoding="utf-8"?>
+<file path=ppt/slides/slide27.xml><?xml version="1.0" encoding="utf-8"?>
 <p:sld xmlns:a="http://schemas.openxmlformats.org/drawingml/2006/main" xmlns:r="http://schemas.openxmlformats.org/officeDocument/2006/relationships" xmlns:p="http://schemas.openxmlformats.org/presentationml/2006/main">
   <p:cSld>
     <p:spTree>
@@ -14640,7 +15115,6 @@
               <a:rPr lang="ru-RU" sz="2000" dirty="0" smtClean="0"/>
               <a:t>Найти максимум числа в массиве</a:t>
             </a:r>
-            <a:endParaRPr lang="ru-RU" sz="2000" dirty="0" smtClean="0"/>
           </a:p>
           <a:p>
             <a:pPr>
